--- a/组会记录/2024-9-26/report-2024-9-26.pptx
+++ b/组会记录/2024-9-26/report-2024-9-26.pptx
@@ -4658,7 +4658,7 @@
         </p:blipFill>
         <p:spPr>
           <a:xfrm>
-            <a:off x="4807585" y="-588645"/>
+            <a:off x="4807585" y="-934085"/>
             <a:ext cx="12060555" cy="8474075"/>
           </a:xfrm>
           <a:prstGeom prst="rect">
@@ -4746,7 +4746,7 @@
         </p:nvSpPr>
         <p:spPr>
           <a:xfrm>
-            <a:off x="1038225" y="3049270"/>
+            <a:off x="993775" y="2651760"/>
             <a:ext cx="9890125" cy="777240"/>
           </a:xfrm>
           <a:prstGeom prst="rect">
@@ -4947,7 +4947,7 @@
         </p:nvCxnSpPr>
         <p:spPr>
           <a:xfrm>
-            <a:off x="5983605" y="3826510"/>
+            <a:off x="5939155" y="3429000"/>
             <a:ext cx="635" cy="432435"/>
           </a:xfrm>
           <a:prstGeom prst="straightConnector1">
@@ -5118,7 +5118,7 @@
         </p:nvSpPr>
         <p:spPr>
           <a:xfrm>
-            <a:off x="455295" y="4596765"/>
+            <a:off x="455295" y="4822825"/>
             <a:ext cx="1575435" cy="454660"/>
           </a:xfrm>
           <a:prstGeom prst="rect">
@@ -5147,42 +5147,6 @@
               <a:t>贡献：</a:t>
             </a:r>
             <a:endParaRPr lang="en-US" altLang="zh-CN" b="1" dirty="0">
-              <a:latin typeface="微软雅黑" panose="020B0503020204020204" charset="-122"/>
-              <a:ea typeface="微软雅黑" panose="020B0503020204020204" charset="-122"/>
-            </a:endParaRPr>
-          </a:p>
-        </p:txBody>
-      </p:sp>
-      <p:sp>
-        <p:nvSpPr>
-          <p:cNvPr id="14" name="文本框 13"/>
-          <p:cNvSpPr txBox="1"/>
-          <p:nvPr/>
-        </p:nvSpPr>
-        <p:spPr>
-          <a:xfrm>
-            <a:off x="65405" y="6566535"/>
-            <a:ext cx="11965305" cy="203835"/>
-          </a:xfrm>
-          <a:prstGeom prst="rect">
-            <a:avLst/>
-          </a:prstGeom>
-          <a:noFill/>
-        </p:spPr>
-        <p:txBody>
-          <a:bodyPr wrap="square">
-            <a:noAutofit/>
-          </a:bodyPr>
-          <a:lstStyle/>
-          <a:p>
-            <a:r>
-              <a:rPr lang="en-US" altLang="zh-CN" sz="1200" dirty="0">
-                <a:latin typeface="微软雅黑" panose="020B0503020204020204" charset="-122"/>
-                <a:ea typeface="微软雅黑" panose="020B0503020204020204" charset="-122"/>
-              </a:rPr>
-              <a:t>Chen Z, Zhang Y, Liu D, et al. Hierarchical Integration Diffusion Model for Realistic Image Deblurring[J]. arXiv preprint arXiv:2305.12966, 2023.</a:t>
-            </a:r>
-            <a:endParaRPr lang="en-US" altLang="zh-CN" sz="1200" dirty="0">
               <a:latin typeface="微软雅黑" panose="020B0503020204020204" charset="-122"/>
               <a:ea typeface="微软雅黑" panose="020B0503020204020204" charset="-122"/>
             </a:endParaRPr>
@@ -5224,14 +5188,7 @@
                 <a:latin typeface="微软雅黑" panose="020B0503020204020204" charset="-122"/>
                 <a:ea typeface="微软雅黑" panose="020B0503020204020204" charset="-122"/>
               </a:rPr>
-              <a:t>真实图像</a:t>
-            </a:r>
-            <a:r>
-              <a:rPr lang="zh-CN" altLang="en-US" sz="1600" dirty="0">
-                <a:latin typeface="微软雅黑" panose="020B0503020204020204" charset="-122"/>
-                <a:ea typeface="微软雅黑" panose="020B0503020204020204" charset="-122"/>
-              </a:rPr>
-              <a:t>去模糊</a:t>
+              <a:t>进行目标检测</a:t>
             </a:r>
             <a:endParaRPr lang="zh-CN" altLang="en-US" sz="1600" dirty="0">
               <a:latin typeface="微软雅黑" panose="020B0503020204020204" charset="-122"/>
@@ -5248,8 +5205,8 @@
         </p:nvSpPr>
         <p:spPr>
           <a:xfrm>
-            <a:off x="724535" y="5029835"/>
-            <a:ext cx="10603865" cy="1501775"/>
+            <a:off x="724535" y="5277485"/>
+            <a:ext cx="10603865" cy="1219835"/>
           </a:xfrm>
           <a:prstGeom prst="rect">
             <a:avLst/>
@@ -5283,14 +5240,7 @@
                 <a:latin typeface="微软雅黑" panose="020B0503020204020204" charset="-122"/>
                 <a:ea typeface="微软雅黑" panose="020B0503020204020204" charset="-122"/>
               </a:rPr>
-              <a:t>提出了层次集成扩散模型(HI-Diff)，用于逼真的图像去模糊。HI-Diff利用扩散模型的力量来生成信息先验，这些先验被分层地集成到去模糊过程中以获得更好的结果</a:t>
-            </a:r>
-            <a:r>
-              <a:rPr lang="zh-CN" sz="1600" dirty="0">
-                <a:latin typeface="微软雅黑" panose="020B0503020204020204" charset="-122"/>
-                <a:ea typeface="微软雅黑" panose="020B0503020204020204" charset="-122"/>
-              </a:rPr>
-              <a:t>。</a:t>
+              <a:t>提出了完全基于注意力机制的Transformer模型，摒弃了传统的循环和卷积神经网络，实现了更高的并行化能力</a:t>
             </a:r>
             <a:endParaRPr sz="1600" dirty="0">
               <a:latin typeface="微软雅黑" panose="020B0503020204020204" charset="-122"/>
@@ -5319,7 +5269,7 @@
                 <a:latin typeface="微软雅黑" panose="020B0503020204020204" charset="-122"/>
                 <a:ea typeface="微软雅黑" panose="020B0503020204020204" charset="-122"/>
               </a:rPr>
-              <a:t>我们在高度紧凑的潜在空间中应用扩散模型来生成先验。同时，我们提出了层次集成模块，将先验信息从多个尺度融合到基于回归的模型中，实现了在复杂模糊场景下的泛化。</a:t>
+              <a:t>引入了多头注意力机制，允许模型从不同的角度并行地处理序列，提高了模型对信息的捕捉能力</a:t>
             </a:r>
             <a:endParaRPr sz="1600" dirty="0">
               <a:latin typeface="微软雅黑" panose="020B0503020204020204" charset="-122"/>
@@ -5348,7 +5298,7 @@
                 <a:latin typeface="微软雅黑" panose="020B0503020204020204" charset="-122"/>
                 <a:ea typeface="微软雅黑" panose="020B0503020204020204" charset="-122"/>
               </a:rPr>
-              <a:t>在合成和真实世界的模糊数据集上进行的广泛实验表明，与最先进的去模糊方法相比，HI-Diff具有优越的性能。</a:t>
+              <a:t>为了弥补模型中缺少循环和卷积带来的位置信息，设计了基于正弦和余弦函数的位置编码，使得模型能够处理序列中的顺序信息</a:t>
             </a:r>
             <a:endParaRPr sz="1600" dirty="0">
               <a:latin typeface="微软雅黑" panose="020B0503020204020204" charset="-122"/>
@@ -5537,14 +5487,7 @@
                 <a:latin typeface="微软雅黑" panose="020B0503020204020204" charset="-122"/>
                 <a:ea typeface="微软雅黑" panose="020B0503020204020204" charset="-122"/>
               </a:rPr>
-              <a:t>降低计算成本，考虑低维潜在</a:t>
-            </a:r>
-            <a:r>
-              <a:rPr lang="zh-CN" altLang="en-US" sz="1600" dirty="0">
-                <a:latin typeface="微软雅黑" panose="020B0503020204020204" charset="-122"/>
-                <a:ea typeface="微软雅黑" panose="020B0503020204020204" charset="-122"/>
-              </a:rPr>
-              <a:t>空间</a:t>
+              <a:t>利用并行性减少训练时间</a:t>
             </a:r>
             <a:endParaRPr lang="zh-CN" altLang="en-US" sz="1600" dirty="0">
               <a:latin typeface="微软雅黑" panose="020B0503020204020204" charset="-122"/>
@@ -5698,7 +5641,7 @@
         <p:spPr>
           <a:xfrm>
             <a:off x="724535" y="3429000"/>
-            <a:ext cx="5124450" cy="1187450"/>
+            <a:ext cx="6004560" cy="1187450"/>
           </a:xfrm>
           <a:prstGeom prst="rect">
             <a:avLst/>
@@ -5724,65 +5667,15 @@
                 <a:latin typeface="微软雅黑" panose="020B0503020204020204" charset="-122"/>
                 <a:ea typeface="微软雅黑" panose="020B0503020204020204" charset="-122"/>
               </a:rPr>
-              <a:t>第一阶段，通过潜在编码器(LE)将真实图像压缩成高度紧凑的潜在表示作为先验特征。</a:t>
+              <a:t>Transformer的整体思路是通过多层自注意力机制和全连接层来构建编码器和解码器。自注意力机制允许模型在处理序列时直接计算任意两个位置之间的依赖关系，而无需经过多个RNN步骤或堆叠多层CNN。此外，引入了多头注意力机制，以允许模型在不同表示子空间上并行地关注序列的不同部分。。</a:t>
             </a:r>
             <a:endParaRPr sz="1600" dirty="0">
               <a:latin typeface="微软雅黑" panose="020B0503020204020204" charset="-122"/>
               <a:ea typeface="微软雅黑" panose="020B0503020204020204" charset="-122"/>
             </a:endParaRPr>
           </a:p>
-          <a:p>
-            <a:pPr algn="l" fontAlgn="auto">
-              <a:lnSpc>
-                <a:spcPts val="2200"/>
-              </a:lnSpc>
-              <a:buClrTx/>
-              <a:buSzTx/>
-              <a:buFontTx/>
-              <a:buNone/>
-            </a:pPr>
-            <a:r>
-              <a:rPr sz="1600" dirty="0">
-                <a:latin typeface="微软雅黑" panose="020B0503020204020204" charset="-122"/>
-                <a:ea typeface="微软雅黑" panose="020B0503020204020204" charset="-122"/>
-              </a:rPr>
-              <a:t>第二阶段，训练一个潜在扩散模型，从高斯噪声中产生潜在空间中的先验特征，并引导Transformer通过HIM。</a:t>
-            </a:r>
-            <a:endParaRPr sz="1600" dirty="0">
-              <a:latin typeface="微软雅黑" panose="020B0503020204020204" charset="-122"/>
-              <a:ea typeface="微软雅黑" panose="020B0503020204020204" charset="-122"/>
-            </a:endParaRPr>
-          </a:p>
-        </p:txBody>
-      </p:sp>
-      <p:pic>
-        <p:nvPicPr>
-          <p:cNvPr id="2" name="图片 1"/>
-          <p:cNvPicPr>
-            <a:picLocks noChangeAspect="1"/>
-          </p:cNvPicPr>
-          <p:nvPr>
-            <p:custDataLst>
-              <p:tags r:id="rId6"/>
-            </p:custDataLst>
-          </p:nvPr>
-        </p:nvPicPr>
-        <p:blipFill>
-          <a:blip r:embed="rId7"/>
-          <a:stretch>
-            <a:fillRect/>
-          </a:stretch>
-        </p:blipFill>
-        <p:spPr>
-          <a:xfrm>
-            <a:off x="6065520" y="1116965"/>
-            <a:ext cx="5657850" cy="3581400"/>
-          </a:xfrm>
-          <a:prstGeom prst="rect">
-            <a:avLst/>
-          </a:prstGeom>
-        </p:spPr>
-      </p:pic>
+        </p:txBody>
+      </p:sp>
     </p:spTree>
   </p:cSld>
   <p:clrMapOvr>
@@ -10231,12 +10124,6 @@
 </file>
 
 <file path=ppt/tags/tag27.xml><?xml version="1.0" encoding="utf-8"?>
-<p:tagLst xmlns:p="http://schemas.openxmlformats.org/presentationml/2006/main">
-  <p:tag name="KSO_WM_BEAUTIFY_FLAG" val=""/>
-</p:tagLst>
-</file>
-
-<file path=ppt/tags/tag28.xml><?xml version="1.0" encoding="utf-8"?>
 <p:tagLst xmlns:p="http://schemas.openxmlformats.org/presentationml/2006/main">
   <p:tag name="KSO_WPP_MARK_KEY" val="c7925d13-95db-4618-ac98-c22196edd7f9"/>
   <p:tag name="COMMONDATA" val="eyJoZGlkIjoiZTg3MzIzMDhlODgyZTlkYzQ0OWY3ZDI2YzlhMjBjMGIifQ=="/>

--- a/组会记录/2024-9-26/report-2024-9-26.pptx
+++ b/组会记录/2024-9-26/report-2024-9-26.pptx
@@ -20,12 +20,14 @@
     <p:sldId id="1789" r:id="rId13"/>
     <p:sldId id="1791" r:id="rId14"/>
     <p:sldId id="1792" r:id="rId15"/>
-    <p:sldId id="1356" r:id="rId16"/>
+    <p:sldId id="1794" r:id="rId16"/>
+    <p:sldId id="1795" r:id="rId17"/>
+    <p:sldId id="1356" r:id="rId18"/>
   </p:sldIdLst>
   <p:sldSz cx="12192000" cy="6858000"/>
   <p:notesSz cx="6858000" cy="9144000"/>
   <p:custDataLst>
-    <p:tags r:id="rId21"/>
+    <p:tags r:id="rId23"/>
   </p:custDataLst>
   <p:defaultTextStyle>
     <a:defPPr>
@@ -556,6 +558,84 @@
 </p:notes>
 </file>
 
+<file path=ppt/notesSlides/notesSlide10.xml><?xml version="1.0" encoding="utf-8"?>
+<p:notes xmlns:a="http://schemas.openxmlformats.org/drawingml/2006/main" xmlns:r="http://schemas.openxmlformats.org/officeDocument/2006/relationships" xmlns:p="http://schemas.openxmlformats.org/presentationml/2006/main">
+  <p:cSld>
+    <p:spTree>
+      <p:nvGrpSpPr>
+        <p:cNvPr id="1" name=""/>
+        <p:cNvGrpSpPr/>
+        <p:nvPr/>
+      </p:nvGrpSpPr>
+      <p:grpSpPr>
+        <a:xfrm>
+          <a:off x="0" y="0"/>
+          <a:ext cx="0" cy="0"/>
+          <a:chOff x="0" y="0"/>
+          <a:chExt cx="0" cy="0"/>
+        </a:xfrm>
+      </p:grpSpPr>
+      <p:sp>
+        <p:nvSpPr>
+          <p:cNvPr id="2" name="幻灯片图像占位符 1"/>
+          <p:cNvSpPr>
+            <a:spLocks noGrp="1" noRot="1" noChangeAspect="1"/>
+          </p:cNvSpPr>
+          <p:nvPr>
+            <p:ph type="sldImg"/>
+          </p:nvPr>
+        </p:nvSpPr>
+        <p:spPr/>
+      </p:sp>
+      <p:sp>
+        <p:nvSpPr>
+          <p:cNvPr id="3" name="备注占位符 2"/>
+          <p:cNvSpPr>
+            <a:spLocks noGrp="1"/>
+          </p:cNvSpPr>
+          <p:nvPr>
+            <p:ph type="body" idx="1"/>
+          </p:nvPr>
+        </p:nvSpPr>
+        <p:spPr/>
+        <p:txBody>
+          <a:bodyPr/>
+          <a:lstStyle/>
+          <a:p>
+            <a:endParaRPr lang="zh-CN" altLang="en-US" dirty="0"/>
+          </a:p>
+        </p:txBody>
+      </p:sp>
+      <p:sp>
+        <p:nvSpPr>
+          <p:cNvPr id="4" name="灯片编号占位符 3"/>
+          <p:cNvSpPr>
+            <a:spLocks noGrp="1"/>
+          </p:cNvSpPr>
+          <p:nvPr>
+            <p:ph type="sldNum" sz="quarter" idx="5"/>
+          </p:nvPr>
+        </p:nvSpPr>
+        <p:spPr/>
+        <p:txBody>
+          <a:bodyPr/>
+          <a:lstStyle/>
+          <a:p>
+            <a:fld id="{311DA921-5814-416C-A214-0F50BD081254}" type="slidenum">
+              <a:rPr lang="zh-CN" altLang="en-US" smtClean="0"/>
+            </a:fld>
+            <a:endParaRPr lang="zh-CN" altLang="en-US"/>
+          </a:p>
+        </p:txBody>
+      </p:sp>
+    </p:spTree>
+  </p:cSld>
+  <p:clrMapOvr>
+    <a:masterClrMapping/>
+  </p:clrMapOvr>
+</p:notes>
+</file>
+
 <file path=ppt/notesSlides/notesSlide2.xml><?xml version="1.0" encoding="utf-8"?>
 <p:notes xmlns:a="http://schemas.openxmlformats.org/drawingml/2006/main" xmlns:r="http://schemas.openxmlformats.org/officeDocument/2006/relationships" xmlns:p="http://schemas.openxmlformats.org/presentationml/2006/main">
   <p:cSld>
@@ -1025,6 +1105,84 @@
 </file>
 
 <file path=ppt/notesSlides/notesSlide8.xml><?xml version="1.0" encoding="utf-8"?>
+<p:notes xmlns:a="http://schemas.openxmlformats.org/drawingml/2006/main" xmlns:r="http://schemas.openxmlformats.org/officeDocument/2006/relationships" xmlns:p="http://schemas.openxmlformats.org/presentationml/2006/main">
+  <p:cSld>
+    <p:spTree>
+      <p:nvGrpSpPr>
+        <p:cNvPr id="1" name=""/>
+        <p:cNvGrpSpPr/>
+        <p:nvPr/>
+      </p:nvGrpSpPr>
+      <p:grpSpPr>
+        <a:xfrm>
+          <a:off x="0" y="0"/>
+          <a:ext cx="0" cy="0"/>
+          <a:chOff x="0" y="0"/>
+          <a:chExt cx="0" cy="0"/>
+        </a:xfrm>
+      </p:grpSpPr>
+      <p:sp>
+        <p:nvSpPr>
+          <p:cNvPr id="2" name="幻灯片图像占位符 1"/>
+          <p:cNvSpPr>
+            <a:spLocks noGrp="1" noRot="1" noChangeAspect="1"/>
+          </p:cNvSpPr>
+          <p:nvPr>
+            <p:ph type="sldImg"/>
+          </p:nvPr>
+        </p:nvSpPr>
+        <p:spPr/>
+      </p:sp>
+      <p:sp>
+        <p:nvSpPr>
+          <p:cNvPr id="3" name="备注占位符 2"/>
+          <p:cNvSpPr>
+            <a:spLocks noGrp="1"/>
+          </p:cNvSpPr>
+          <p:nvPr>
+            <p:ph type="body" idx="1"/>
+          </p:nvPr>
+        </p:nvSpPr>
+        <p:spPr/>
+        <p:txBody>
+          <a:bodyPr/>
+          <a:lstStyle/>
+          <a:p>
+            <a:endParaRPr lang="zh-CN" altLang="en-US" dirty="0"/>
+          </a:p>
+        </p:txBody>
+      </p:sp>
+      <p:sp>
+        <p:nvSpPr>
+          <p:cNvPr id="4" name="灯片编号占位符 3"/>
+          <p:cNvSpPr>
+            <a:spLocks noGrp="1"/>
+          </p:cNvSpPr>
+          <p:nvPr>
+            <p:ph type="sldNum" sz="quarter" idx="5"/>
+          </p:nvPr>
+        </p:nvSpPr>
+        <p:spPr/>
+        <p:txBody>
+          <a:bodyPr/>
+          <a:lstStyle/>
+          <a:p>
+            <a:fld id="{311DA921-5814-416C-A214-0F50BD081254}" type="slidenum">
+              <a:rPr lang="zh-CN" altLang="en-US" smtClean="0"/>
+            </a:fld>
+            <a:endParaRPr lang="zh-CN" altLang="en-US"/>
+          </a:p>
+        </p:txBody>
+      </p:sp>
+    </p:spTree>
+  </p:cSld>
+  <p:clrMapOvr>
+    <a:masterClrMapping/>
+  </p:clrMapOvr>
+</p:notes>
+</file>
+
+<file path=ppt/notesSlides/notesSlide9.xml><?xml version="1.0" encoding="utf-8"?>
 <p:notes xmlns:a="http://schemas.openxmlformats.org/drawingml/2006/main" xmlns:r="http://schemas.openxmlformats.org/officeDocument/2006/relationships" xmlns:p="http://schemas.openxmlformats.org/presentationml/2006/main">
   <p:cSld>
     <p:spTree>
@@ -5162,7 +5320,7 @@
         <p:spPr>
           <a:xfrm>
             <a:off x="724535" y="1323340"/>
-            <a:ext cx="2247900" cy="410845"/>
+            <a:ext cx="2850515" cy="410845"/>
           </a:xfrm>
           <a:prstGeom prst="rect">
             <a:avLst/>
@@ -5188,7 +5346,7 @@
                 <a:latin typeface="微软雅黑" panose="020B0503020204020204" charset="-122"/>
                 <a:ea typeface="微软雅黑" panose="020B0503020204020204" charset="-122"/>
               </a:rPr>
-              <a:t>进行目标检测</a:t>
+              <a:t>学习语言模型进行翻译任务</a:t>
             </a:r>
             <a:endParaRPr lang="zh-CN" altLang="en-US" sz="1600" dirty="0">
               <a:latin typeface="微软雅黑" panose="020B0503020204020204" charset="-122"/>
@@ -5487,7 +5645,7 @@
                 <a:latin typeface="微软雅黑" panose="020B0503020204020204" charset="-122"/>
                 <a:ea typeface="微软雅黑" panose="020B0503020204020204" charset="-122"/>
               </a:rPr>
-              <a:t>利用并行性减少训练时间</a:t>
+              <a:t>减少原有的顺序计算，利用并行性减少训练时间</a:t>
             </a:r>
             <a:endParaRPr lang="zh-CN" altLang="en-US" sz="1600" dirty="0">
               <a:latin typeface="微软雅黑" panose="020B0503020204020204" charset="-122"/>
@@ -5505,68 +5663,18 @@
               <a:buNone/>
             </a:pPr>
             <a:r>
+              <a:rPr lang="en-US" altLang="zh-CN" sz="1600" dirty="0">
+                <a:latin typeface="微软雅黑" panose="020B0503020204020204" charset="-122"/>
+                <a:ea typeface="微软雅黑" panose="020B0503020204020204" charset="-122"/>
+              </a:rPr>
+              <a:t>2.  有效地建模长距离依赖</a:t>
+            </a:r>
+            <a:r>
               <a:rPr lang="zh-CN" altLang="en-US" sz="1600" dirty="0">
                 <a:latin typeface="微软雅黑" panose="020B0503020204020204" charset="-122"/>
                 <a:ea typeface="微软雅黑" panose="020B0503020204020204" charset="-122"/>
               </a:rPr>
-              <a:t>2. </a:t>
-            </a:r>
-            <a:r>
-              <a:rPr lang="en-US" altLang="zh-CN" sz="1600" dirty="0">
-                <a:latin typeface="微软雅黑" panose="020B0503020204020204" charset="-122"/>
-                <a:ea typeface="微软雅黑" panose="020B0503020204020204" charset="-122"/>
-              </a:rPr>
-              <a:t> </a:t>
-            </a:r>
-            <a:r>
-              <a:rPr lang="zh-CN" altLang="en-US" sz="1600" dirty="0">
-                <a:latin typeface="微软雅黑" panose="020B0503020204020204" charset="-122"/>
-                <a:ea typeface="微软雅黑" panose="020B0503020204020204" charset="-122"/>
-              </a:rPr>
-              <a:t>基于回归的方法在解决失真问题上</a:t>
-            </a:r>
-            <a:r>
-              <a:rPr lang="zh-CN" altLang="en-US" sz="1600" dirty="0">
-                <a:latin typeface="微软雅黑" panose="020B0503020204020204" charset="-122"/>
-                <a:ea typeface="微软雅黑" panose="020B0503020204020204" charset="-122"/>
-              </a:rPr>
-              <a:t>有优势</a:t>
-            </a:r>
-            <a:endParaRPr lang="zh-CN" altLang="en-US" sz="1600" dirty="0">
-              <a:latin typeface="微软雅黑" panose="020B0503020204020204" charset="-122"/>
-              <a:ea typeface="微软雅黑" panose="020B0503020204020204" charset="-122"/>
-            </a:endParaRPr>
-          </a:p>
-          <a:p>
-            <a:pPr algn="l" fontAlgn="auto">
-              <a:lnSpc>
-                <a:spcPts val="2200"/>
-              </a:lnSpc>
-              <a:buClrTx/>
-              <a:buSzTx/>
-              <a:buFontTx/>
-              <a:buNone/>
-            </a:pPr>
-            <a:r>
-              <a:rPr lang="en-US" altLang="zh-CN" sz="1600" dirty="0">
-                <a:latin typeface="微软雅黑" panose="020B0503020204020204" charset="-122"/>
-                <a:ea typeface="微软雅黑" panose="020B0503020204020204" charset="-122"/>
-              </a:rPr>
-              <a:t>3.  </a:t>
-            </a:r>
-            <a:r>
-              <a:rPr lang="zh-CN" altLang="en-US" sz="1600" dirty="0">
-                <a:latin typeface="微软雅黑" panose="020B0503020204020204" charset="-122"/>
-                <a:ea typeface="微软雅黑" panose="020B0503020204020204" charset="-122"/>
-              </a:rPr>
-              <a:t>真实世界中的非均匀模糊，采用分层方法增强</a:t>
-            </a:r>
-            <a:r>
-              <a:rPr lang="zh-CN" altLang="en-US" sz="1600" dirty="0">
-                <a:latin typeface="微软雅黑" panose="020B0503020204020204" charset="-122"/>
-                <a:ea typeface="微软雅黑" panose="020B0503020204020204" charset="-122"/>
-              </a:rPr>
-              <a:t>泛化性</a:t>
+              <a:t>，对依赖关系进行建模，而不考虑它们在输入或输出序列中的距离</a:t>
             </a:r>
             <a:endParaRPr lang="zh-CN" altLang="en-US" sz="1600" dirty="0">
               <a:latin typeface="微软雅黑" panose="020B0503020204020204" charset="-122"/>
@@ -5685,6 +5793,1600 @@
 </file>
 
 <file path=ppt/slides/slide13.xml><?xml version="1.0" encoding="utf-8"?>
+<p:sld xmlns:a="http://schemas.openxmlformats.org/drawingml/2006/main" xmlns:r="http://schemas.openxmlformats.org/officeDocument/2006/relationships" xmlns:p="http://schemas.openxmlformats.org/presentationml/2006/main">
+  <p:cSld>
+    <p:spTree>
+      <p:nvGrpSpPr>
+        <p:cNvPr id="1" name=""/>
+        <p:cNvGrpSpPr/>
+        <p:nvPr/>
+      </p:nvGrpSpPr>
+      <p:grpSpPr>
+        <a:xfrm>
+          <a:off x="0" y="0"/>
+          <a:ext cx="0" cy="0"/>
+          <a:chOff x="0" y="0"/>
+          <a:chExt cx="0" cy="0"/>
+        </a:xfrm>
+      </p:grpSpPr>
+      <p:sp>
+        <p:nvSpPr>
+          <p:cNvPr id="13" name="文本框 12"/>
+          <p:cNvSpPr txBox="1"/>
+          <p:nvPr/>
+        </p:nvSpPr>
+        <p:spPr>
+          <a:xfrm>
+            <a:off x="106466" y="601786"/>
+            <a:ext cx="1541780" cy="398780"/>
+          </a:xfrm>
+          <a:prstGeom prst="rect">
+            <a:avLst/>
+          </a:prstGeom>
+          <a:noFill/>
+        </p:spPr>
+        <p:txBody>
+          <a:bodyPr wrap="none" rtlCol="0">
+            <a:spAutoFit/>
+          </a:bodyPr>
+          <a:lstStyle/>
+          <a:p>
+            <a:pPr marL="342900" indent="-342900">
+              <a:buFont typeface="Wingdings" panose="05000000000000000000" charset="0"/>
+              <a:buChar char="n"/>
+            </a:pPr>
+            <a:r>
+              <a:rPr lang="zh-CN" altLang="en-US" sz="2000" b="1" dirty="0">
+                <a:latin typeface="微软雅黑" panose="020B0503020204020204" charset="-122"/>
+                <a:ea typeface="微软雅黑" panose="020B0503020204020204" charset="-122"/>
+              </a:rPr>
+              <a:t>模型</a:t>
+            </a:r>
+            <a:r>
+              <a:rPr lang="zh-CN" altLang="en-US" sz="2000" b="1" dirty="0">
+                <a:latin typeface="微软雅黑" panose="020B0503020204020204" charset="-122"/>
+                <a:ea typeface="微软雅黑" panose="020B0503020204020204" charset="-122"/>
+              </a:rPr>
+              <a:t>架构</a:t>
+            </a:r>
+            <a:endParaRPr lang="zh-CN" altLang="en-US" sz="2000" b="1" dirty="0">
+              <a:latin typeface="微软雅黑" panose="020B0503020204020204" charset="-122"/>
+              <a:ea typeface="微软雅黑" panose="020B0503020204020204" charset="-122"/>
+            </a:endParaRPr>
+          </a:p>
+        </p:txBody>
+      </p:sp>
+      <p:sp>
+        <p:nvSpPr>
+          <p:cNvPr id="6" name="矩形 5"/>
+          <p:cNvSpPr/>
+          <p:nvPr>
+            <p:custDataLst>
+              <p:tags r:id="rId1"/>
+            </p:custDataLst>
+          </p:nvPr>
+        </p:nvSpPr>
+        <p:spPr>
+          <a:xfrm>
+            <a:off x="-6350" y="0"/>
+            <a:ext cx="12198350" cy="540000"/>
+          </a:xfrm>
+          <a:prstGeom prst="rect">
+            <a:avLst/>
+          </a:prstGeom>
+          <a:solidFill>
+            <a:srgbClr val="A099CB"/>
+          </a:solidFill>
+          <a:ln>
+            <a:noFill/>
+          </a:ln>
+        </p:spPr>
+        <p:style>
+          <a:lnRef idx="2">
+            <a:schemeClr val="accent1">
+              <a:shade val="50000"/>
+            </a:schemeClr>
+          </a:lnRef>
+          <a:fillRef idx="1">
+            <a:schemeClr val="accent1"/>
+          </a:fillRef>
+          <a:effectRef idx="0">
+            <a:schemeClr val="accent1"/>
+          </a:effectRef>
+          <a:fontRef idx="minor">
+            <a:schemeClr val="lt1"/>
+          </a:fontRef>
+        </p:style>
+        <p:txBody>
+          <a:bodyPr rtlCol="0" anchor="ctr"/>
+          <a:p>
+            <a:pPr marL="0" marR="0" lvl="0" algn="ctr" defTabSz="914400" rtl="0" eaLnBrk="1" fontAlgn="auto" latinLnBrk="0" hangingPunct="1">
+              <a:lnSpc>
+                <a:spcPct val="100000"/>
+              </a:lnSpc>
+              <a:spcBef>
+                <a:spcPts val="0"/>
+              </a:spcBef>
+              <a:buClrTx/>
+              <a:buSzTx/>
+              <a:buFontTx/>
+              <a:buNone/>
+            </a:pPr>
+            <a:r>
+              <a:rPr lang="en-US" altLang="zh-CN" dirty="0">
+                <a:effectLst/>
+                <a:latin typeface="微软雅黑" panose="020B0503020204020204" charset="-122"/>
+                <a:ea typeface="微软雅黑" panose="020B0503020204020204" charset="-122"/>
+                <a:sym typeface="+mn-ea"/>
+              </a:rPr>
+              <a:t>2.</a:t>
+            </a:r>
+            <a:r>
+              <a:rPr lang="en-US" altLang="zh-CN" dirty="0">
+                <a:effectLst/>
+                <a:latin typeface="微软雅黑" panose="020B0503020204020204" charset="-122"/>
+                <a:ea typeface="微软雅黑" panose="020B0503020204020204" charset="-122"/>
+                <a:sym typeface="+mn-ea"/>
+              </a:rPr>
+              <a:t>Attention Is All You Need</a:t>
+            </a:r>
+            <a:endParaRPr lang="en-US" altLang="zh-CN" dirty="0">
+              <a:effectLst/>
+              <a:latin typeface="微软雅黑" panose="020B0503020204020204" charset="-122"/>
+              <a:ea typeface="微软雅黑" panose="020B0503020204020204" charset="-122"/>
+            </a:endParaRPr>
+          </a:p>
+        </p:txBody>
+      </p:sp>
+      <p:pic>
+        <p:nvPicPr>
+          <p:cNvPr id="2" name="图片 1" descr="model"/>
+          <p:cNvPicPr>
+            <a:picLocks noChangeAspect="1"/>
+          </p:cNvPicPr>
+          <p:nvPr/>
+        </p:nvPicPr>
+        <p:blipFill>
+          <a:blip r:embed="rId2"/>
+          <a:stretch>
+            <a:fillRect/>
+          </a:stretch>
+        </p:blipFill>
+        <p:spPr>
+          <a:xfrm>
+            <a:off x="-6350" y="1144270"/>
+            <a:ext cx="4810125" cy="5057775"/>
+          </a:xfrm>
+          <a:prstGeom prst="rect">
+            <a:avLst/>
+          </a:prstGeom>
+        </p:spPr>
+      </p:pic>
+      <p:sp>
+        <p:nvSpPr>
+          <p:cNvPr id="4" name="文本框 3"/>
+          <p:cNvSpPr txBox="1"/>
+          <p:nvPr/>
+        </p:nvSpPr>
+        <p:spPr>
+          <a:xfrm>
+            <a:off x="3921125" y="1000760"/>
+            <a:ext cx="8270875" cy="583565"/>
+          </a:xfrm>
+          <a:prstGeom prst="rect">
+            <a:avLst/>
+          </a:prstGeom>
+        </p:spPr>
+        <p:txBody>
+          <a:bodyPr wrap="square">
+            <a:spAutoFit/>
+          </a:bodyPr>
+          <a:p>
+            <a:r>
+              <a:rPr sz="1600" dirty="0">
+                <a:latin typeface="微软雅黑" panose="020B0503020204020204" charset="-122"/>
+                <a:ea typeface="微软雅黑" panose="020B0503020204020204" charset="-122"/>
+              </a:rPr>
+              <a:t>编码器由</a:t>
+            </a:r>
+            <a:r>
+              <a:rPr lang="en-US" sz="1600" dirty="0">
+                <a:latin typeface="微软雅黑" panose="020B0503020204020204" charset="-122"/>
+                <a:ea typeface="微软雅黑" panose="020B0503020204020204" charset="-122"/>
+              </a:rPr>
+              <a:t>N=</a:t>
+            </a:r>
+            <a:r>
+              <a:rPr sz="1600" dirty="0">
+                <a:latin typeface="微软雅黑" panose="020B0503020204020204" charset="-122"/>
+                <a:ea typeface="微软雅黑" panose="020B0503020204020204" charset="-122"/>
+              </a:rPr>
+              <a:t>6个相同层，每层有两个子层。每一个子层输</a:t>
+            </a:r>
+            <a:r>
+              <a:rPr lang="zh-CN" sz="1600" dirty="0">
+                <a:latin typeface="微软雅黑" panose="020B0503020204020204" charset="-122"/>
+                <a:ea typeface="微软雅黑" panose="020B0503020204020204" charset="-122"/>
+              </a:rPr>
+              <a:t>出</a:t>
+            </a:r>
+            <a:r>
+              <a:rPr sz="1600" dirty="0">
+                <a:latin typeface="微软雅黑" panose="020B0503020204020204" charset="-122"/>
+                <a:ea typeface="微软雅黑" panose="020B0503020204020204" charset="-122"/>
+              </a:rPr>
+              <a:t>layernorm(x+sublayer(x))，设置维度是d=512</a:t>
+            </a:r>
+            <a:r>
+              <a:rPr lang="zh-CN" sz="1600" dirty="0">
+                <a:latin typeface="微软雅黑" panose="020B0503020204020204" charset="-122"/>
+                <a:ea typeface="微软雅黑" panose="020B0503020204020204" charset="-122"/>
+              </a:rPr>
+              <a:t>。然后调参只需要调</a:t>
+            </a:r>
+            <a:r>
+              <a:rPr lang="en-US" altLang="zh-CN" sz="1600" dirty="0">
+                <a:latin typeface="微软雅黑" panose="020B0503020204020204" charset="-122"/>
+                <a:ea typeface="微软雅黑" panose="020B0503020204020204" charset="-122"/>
+              </a:rPr>
+              <a:t>N</a:t>
+            </a:r>
+            <a:r>
+              <a:rPr lang="zh-CN" altLang="en-US" sz="1600" dirty="0">
+                <a:latin typeface="微软雅黑" panose="020B0503020204020204" charset="-122"/>
+                <a:ea typeface="微软雅黑" panose="020B0503020204020204" charset="-122"/>
+              </a:rPr>
+              <a:t>和</a:t>
+            </a:r>
+            <a:r>
+              <a:rPr lang="en-US" altLang="zh-CN" sz="1600" dirty="0">
+                <a:latin typeface="微软雅黑" panose="020B0503020204020204" charset="-122"/>
+                <a:ea typeface="微软雅黑" panose="020B0503020204020204" charset="-122"/>
+              </a:rPr>
+              <a:t>d</a:t>
+            </a:r>
+            <a:endParaRPr lang="en-US" altLang="zh-CN" sz="1600" dirty="0">
+              <a:latin typeface="微软雅黑" panose="020B0503020204020204" charset="-122"/>
+              <a:ea typeface="微软雅黑" panose="020B0503020204020204" charset="-122"/>
+            </a:endParaRPr>
+          </a:p>
+        </p:txBody>
+      </p:sp>
+      <p:sp>
+        <p:nvSpPr>
+          <p:cNvPr id="5" name="文本框 4"/>
+          <p:cNvSpPr txBox="1"/>
+          <p:nvPr>
+            <p:custDataLst>
+              <p:tags r:id="rId3"/>
+            </p:custDataLst>
+          </p:nvPr>
+        </p:nvSpPr>
+        <p:spPr>
+          <a:xfrm>
+            <a:off x="3698240" y="588645"/>
+            <a:ext cx="1725930" cy="506730"/>
+          </a:xfrm>
+          <a:prstGeom prst="rect">
+            <a:avLst/>
+          </a:prstGeom>
+          <a:noFill/>
+        </p:spPr>
+        <p:txBody>
+          <a:bodyPr wrap="square" rtlCol="0">
+            <a:spAutoFit/>
+          </a:bodyPr>
+          <a:p>
+            <a:pPr marL="285750" indent="-285750">
+              <a:lnSpc>
+                <a:spcPct val="150000"/>
+              </a:lnSpc>
+              <a:buFont typeface="Wingdings" panose="05000000000000000000" charset="0"/>
+              <a:buChar char="p"/>
+            </a:pPr>
+            <a:r>
+              <a:rPr lang="zh-CN" altLang="en-US" b="1" dirty="0">
+                <a:latin typeface="微软雅黑" panose="020B0503020204020204" charset="-122"/>
+                <a:ea typeface="微软雅黑" panose="020B0503020204020204" charset="-122"/>
+              </a:rPr>
+              <a:t>编码器：</a:t>
+            </a:r>
+            <a:endParaRPr lang="en-US" altLang="zh-CN" b="1" dirty="0">
+              <a:latin typeface="微软雅黑" panose="020B0503020204020204" charset="-122"/>
+              <a:ea typeface="微软雅黑" panose="020B0503020204020204" charset="-122"/>
+            </a:endParaRPr>
+          </a:p>
+        </p:txBody>
+      </p:sp>
+      <p:sp>
+        <p:nvSpPr>
+          <p:cNvPr id="7" name="文本框 6"/>
+          <p:cNvSpPr txBox="1"/>
+          <p:nvPr>
+            <p:custDataLst>
+              <p:tags r:id="rId4"/>
+            </p:custDataLst>
+          </p:nvPr>
+        </p:nvSpPr>
+        <p:spPr>
+          <a:xfrm>
+            <a:off x="3698240" y="1398270"/>
+            <a:ext cx="1725930" cy="506730"/>
+          </a:xfrm>
+          <a:prstGeom prst="rect">
+            <a:avLst/>
+          </a:prstGeom>
+          <a:noFill/>
+        </p:spPr>
+        <p:txBody>
+          <a:bodyPr wrap="square" rtlCol="0">
+            <a:spAutoFit/>
+          </a:bodyPr>
+          <a:p>
+            <a:pPr marL="285750" indent="-285750">
+              <a:lnSpc>
+                <a:spcPct val="150000"/>
+              </a:lnSpc>
+              <a:buFont typeface="Wingdings" panose="05000000000000000000" charset="0"/>
+              <a:buChar char="p"/>
+            </a:pPr>
+            <a:r>
+              <a:rPr lang="zh-CN" altLang="en-US" b="1" dirty="0">
+                <a:latin typeface="微软雅黑" panose="020B0503020204020204" charset="-122"/>
+                <a:ea typeface="微软雅黑" panose="020B0503020204020204" charset="-122"/>
+              </a:rPr>
+              <a:t>解码器：</a:t>
+            </a:r>
+            <a:endParaRPr lang="en-US" altLang="zh-CN" b="1" dirty="0">
+              <a:latin typeface="微软雅黑" panose="020B0503020204020204" charset="-122"/>
+              <a:ea typeface="微软雅黑" panose="020B0503020204020204" charset="-122"/>
+            </a:endParaRPr>
+          </a:p>
+        </p:txBody>
+      </p:sp>
+      <p:sp>
+        <p:nvSpPr>
+          <p:cNvPr id="8" name="文本框 7"/>
+          <p:cNvSpPr txBox="1"/>
+          <p:nvPr/>
+        </p:nvSpPr>
+        <p:spPr>
+          <a:xfrm>
+            <a:off x="3921125" y="1905000"/>
+            <a:ext cx="8270875" cy="337185"/>
+          </a:xfrm>
+          <a:prstGeom prst="rect">
+            <a:avLst/>
+          </a:prstGeom>
+        </p:spPr>
+        <p:txBody>
+          <a:bodyPr wrap="square">
+            <a:spAutoFit/>
+          </a:bodyPr>
+          <a:p>
+            <a:r>
+              <a:rPr lang="zh-CN" sz="1600" dirty="0">
+                <a:latin typeface="微软雅黑" panose="020B0503020204020204" charset="-122"/>
+                <a:ea typeface="微软雅黑" panose="020B0503020204020204" charset="-122"/>
+              </a:rPr>
+              <a:t>解码器多使用了一个带掩码的多头注意力层，用来确保输入</a:t>
+            </a:r>
+            <a:r>
+              <a:rPr lang="en-US" altLang="zh-CN" sz="1600" dirty="0">
+                <a:latin typeface="微软雅黑" panose="020B0503020204020204" charset="-122"/>
+                <a:ea typeface="微软雅黑" panose="020B0503020204020204" charset="-122"/>
+              </a:rPr>
+              <a:t>t</a:t>
+            </a:r>
+            <a:r>
+              <a:rPr lang="zh-CN" altLang="en-US" sz="1600" dirty="0">
+                <a:latin typeface="微软雅黑" panose="020B0503020204020204" charset="-122"/>
+                <a:ea typeface="微软雅黑" panose="020B0503020204020204" charset="-122"/>
+              </a:rPr>
+              <a:t>时不会检测</a:t>
+            </a:r>
+            <a:r>
+              <a:rPr lang="en-US" altLang="zh-CN" sz="1600" dirty="0">
+                <a:latin typeface="微软雅黑" panose="020B0503020204020204" charset="-122"/>
+                <a:ea typeface="微软雅黑" panose="020B0503020204020204" charset="-122"/>
+              </a:rPr>
+              <a:t>t</a:t>
+            </a:r>
+            <a:r>
+              <a:rPr lang="zh-CN" altLang="en-US" sz="1600" dirty="0">
+                <a:latin typeface="微软雅黑" panose="020B0503020204020204" charset="-122"/>
+                <a:ea typeface="微软雅黑" panose="020B0503020204020204" charset="-122"/>
+              </a:rPr>
+              <a:t>以后的输入</a:t>
+            </a:r>
+            <a:endParaRPr lang="zh-CN" altLang="en-US" sz="1600" dirty="0">
+              <a:latin typeface="微软雅黑" panose="020B0503020204020204" charset="-122"/>
+              <a:ea typeface="微软雅黑" panose="020B0503020204020204" charset="-122"/>
+            </a:endParaRPr>
+          </a:p>
+        </p:txBody>
+      </p:sp>
+      <p:sp>
+        <p:nvSpPr>
+          <p:cNvPr id="9" name="文本框 8"/>
+          <p:cNvSpPr txBox="1"/>
+          <p:nvPr>
+            <p:custDataLst>
+              <p:tags r:id="rId5"/>
+            </p:custDataLst>
+          </p:nvPr>
+        </p:nvSpPr>
+        <p:spPr>
+          <a:xfrm>
+            <a:off x="3698240" y="2127250"/>
+            <a:ext cx="1725930" cy="506730"/>
+          </a:xfrm>
+          <a:prstGeom prst="rect">
+            <a:avLst/>
+          </a:prstGeom>
+          <a:noFill/>
+        </p:spPr>
+        <p:txBody>
+          <a:bodyPr wrap="square" rtlCol="0">
+            <a:spAutoFit/>
+          </a:bodyPr>
+          <a:p>
+            <a:pPr marL="285750" indent="-285750">
+              <a:lnSpc>
+                <a:spcPct val="150000"/>
+              </a:lnSpc>
+              <a:buFont typeface="Wingdings" panose="05000000000000000000" charset="0"/>
+              <a:buChar char="p"/>
+            </a:pPr>
+            <a:r>
+              <a:rPr lang="zh-CN" altLang="en-US" b="1" dirty="0">
+                <a:latin typeface="微软雅黑" panose="020B0503020204020204" charset="-122"/>
+                <a:ea typeface="微软雅黑" panose="020B0503020204020204" charset="-122"/>
+              </a:rPr>
+              <a:t>注意力：</a:t>
+            </a:r>
+            <a:endParaRPr lang="en-US" altLang="zh-CN" b="1" dirty="0">
+              <a:latin typeface="微软雅黑" panose="020B0503020204020204" charset="-122"/>
+              <a:ea typeface="微软雅黑" panose="020B0503020204020204" charset="-122"/>
+            </a:endParaRPr>
+          </a:p>
+        </p:txBody>
+      </p:sp>
+      <p:sp>
+        <p:nvSpPr>
+          <p:cNvPr id="10" name="文本框 9"/>
+          <p:cNvSpPr txBox="1"/>
+          <p:nvPr/>
+        </p:nvSpPr>
+        <p:spPr>
+          <a:xfrm>
+            <a:off x="3921125" y="2562860"/>
+            <a:ext cx="8270875" cy="337185"/>
+          </a:xfrm>
+          <a:prstGeom prst="rect">
+            <a:avLst/>
+          </a:prstGeom>
+        </p:spPr>
+        <p:txBody>
+          <a:bodyPr wrap="square">
+            <a:spAutoFit/>
+          </a:bodyPr>
+          <a:p>
+            <a:r>
+              <a:rPr lang="zh-CN" altLang="en-US" sz="1600" dirty="0">
+                <a:latin typeface="微软雅黑" panose="020B0503020204020204" charset="-122"/>
+                <a:ea typeface="微软雅黑" panose="020B0503020204020204" charset="-122"/>
+              </a:rPr>
+              <a:t>最经典的注意力机制：</a:t>
+            </a:r>
+            <a:endParaRPr lang="zh-CN" altLang="en-US" sz="1600" dirty="0">
+              <a:latin typeface="微软雅黑" panose="020B0503020204020204" charset="-122"/>
+              <a:ea typeface="微软雅黑" panose="020B0503020204020204" charset="-122"/>
+            </a:endParaRPr>
+          </a:p>
+        </p:txBody>
+      </p:sp>
+      <p:pic>
+        <p:nvPicPr>
+          <p:cNvPr id="11" name="图片 10"/>
+          <p:cNvPicPr>
+            <a:picLocks noChangeAspect="1"/>
+          </p:cNvPicPr>
+          <p:nvPr/>
+        </p:nvPicPr>
+        <p:blipFill>
+          <a:blip r:embed="rId6"/>
+          <a:stretch>
+            <a:fillRect/>
+          </a:stretch>
+        </p:blipFill>
+        <p:spPr>
+          <a:xfrm>
+            <a:off x="6096635" y="2303780"/>
+            <a:ext cx="3604260" cy="713740"/>
+          </a:xfrm>
+          <a:prstGeom prst="rect">
+            <a:avLst/>
+          </a:prstGeom>
+        </p:spPr>
+      </p:pic>
+      <p:sp>
+        <p:nvSpPr>
+          <p:cNvPr id="12" name="文本框 11"/>
+          <p:cNvSpPr txBox="1"/>
+          <p:nvPr/>
+        </p:nvSpPr>
+        <p:spPr>
+          <a:xfrm>
+            <a:off x="3921125" y="2964180"/>
+            <a:ext cx="8270875" cy="1568450"/>
+          </a:xfrm>
+          <a:prstGeom prst="rect">
+            <a:avLst/>
+          </a:prstGeom>
+        </p:spPr>
+        <p:txBody>
+          <a:bodyPr wrap="square">
+            <a:spAutoFit/>
+          </a:bodyPr>
+          <a:p>
+            <a:r>
+              <a:rPr lang="zh-CN" altLang="en-US" sz="1600" dirty="0">
+                <a:latin typeface="微软雅黑" panose="020B0503020204020204" charset="-122"/>
+                <a:ea typeface="微软雅黑" panose="020B0503020204020204" charset="-122"/>
+              </a:rPr>
+              <a:t>多头的注意力机制：</a:t>
+            </a:r>
+            <a:endParaRPr lang="zh-CN" altLang="en-US" sz="1600" dirty="0">
+              <a:latin typeface="微软雅黑" panose="020B0503020204020204" charset="-122"/>
+              <a:ea typeface="微软雅黑" panose="020B0503020204020204" charset="-122"/>
+            </a:endParaRPr>
+          </a:p>
+          <a:p>
+            <a:endParaRPr lang="zh-CN" altLang="en-US" sz="1600" dirty="0">
+              <a:latin typeface="微软雅黑" panose="020B0503020204020204" charset="-122"/>
+              <a:ea typeface="微软雅黑" panose="020B0503020204020204" charset="-122"/>
+            </a:endParaRPr>
+          </a:p>
+          <a:p>
+            <a:r>
+              <a:rPr lang="zh-CN" altLang="en-US" sz="1600" dirty="0">
+                <a:latin typeface="微软雅黑" panose="020B0503020204020204" charset="-122"/>
+                <a:ea typeface="微软雅黑" panose="020B0503020204020204" charset="-122"/>
+              </a:rPr>
+              <a:t>本文中的三个注意力：</a:t>
+            </a:r>
+            <a:endParaRPr lang="zh-CN" altLang="en-US" sz="1600" dirty="0">
+              <a:latin typeface="微软雅黑" panose="020B0503020204020204" charset="-122"/>
+              <a:ea typeface="微软雅黑" panose="020B0503020204020204" charset="-122"/>
+            </a:endParaRPr>
+          </a:p>
+          <a:p>
+            <a:r>
+              <a:rPr lang="zh-CN" altLang="en-US" sz="1600" dirty="0">
+                <a:latin typeface="微软雅黑" panose="020B0503020204020204" charset="-122"/>
+                <a:ea typeface="微软雅黑" panose="020B0503020204020204" charset="-122"/>
+              </a:rPr>
+              <a:t>左侧编码器中的注意力机制使用自注意力机制，一份特征向量复制成</a:t>
+            </a:r>
+            <a:r>
+              <a:rPr lang="en-US" altLang="zh-CN" sz="1600" dirty="0">
+                <a:latin typeface="微软雅黑" panose="020B0503020204020204" charset="-122"/>
+                <a:ea typeface="微软雅黑" panose="020B0503020204020204" charset="-122"/>
+              </a:rPr>
+              <a:t>K</a:t>
+            </a:r>
+            <a:r>
+              <a:rPr lang="zh-CN" altLang="en-US" sz="1600" dirty="0">
+                <a:latin typeface="微软雅黑" panose="020B0503020204020204" charset="-122"/>
+                <a:ea typeface="微软雅黑" panose="020B0503020204020204" charset="-122"/>
+              </a:rPr>
+              <a:t>，</a:t>
+            </a:r>
+            <a:r>
+              <a:rPr lang="en-US" altLang="zh-CN" sz="1600" dirty="0">
+                <a:latin typeface="微软雅黑" panose="020B0503020204020204" charset="-122"/>
+                <a:ea typeface="微软雅黑" panose="020B0503020204020204" charset="-122"/>
+              </a:rPr>
+              <a:t>V</a:t>
+            </a:r>
+            <a:r>
+              <a:rPr lang="zh-CN" altLang="en-US" sz="1600" dirty="0">
+                <a:latin typeface="微软雅黑" panose="020B0503020204020204" charset="-122"/>
+                <a:ea typeface="微软雅黑" panose="020B0503020204020204" charset="-122"/>
+              </a:rPr>
+              <a:t>，</a:t>
+            </a:r>
+            <a:r>
+              <a:rPr lang="en-US" altLang="zh-CN" sz="1600" dirty="0">
+                <a:latin typeface="微软雅黑" panose="020B0503020204020204" charset="-122"/>
+                <a:ea typeface="微软雅黑" panose="020B0503020204020204" charset="-122"/>
+              </a:rPr>
+              <a:t>Q</a:t>
+            </a:r>
+            <a:r>
+              <a:rPr lang="zh-CN" altLang="en-US" sz="1600" dirty="0">
+                <a:latin typeface="微软雅黑" panose="020B0503020204020204" charset="-122"/>
+                <a:ea typeface="微软雅黑" panose="020B0503020204020204" charset="-122"/>
+              </a:rPr>
+              <a:t>来输入。</a:t>
+            </a:r>
+            <a:endParaRPr lang="zh-CN" altLang="en-US" sz="1600" dirty="0">
+              <a:latin typeface="微软雅黑" panose="020B0503020204020204" charset="-122"/>
+              <a:ea typeface="微软雅黑" panose="020B0503020204020204" charset="-122"/>
+            </a:endParaRPr>
+          </a:p>
+          <a:p>
+            <a:r>
+              <a:rPr lang="zh-CN" altLang="en-US" sz="1600" dirty="0">
+                <a:latin typeface="微软雅黑" panose="020B0503020204020204" charset="-122"/>
+                <a:ea typeface="微软雅黑" panose="020B0503020204020204" charset="-122"/>
+              </a:rPr>
+              <a:t>右侧下方的解码器使用有掩码的自注意力机制用来屏蔽当前输入之后的内容保持时序性</a:t>
+            </a:r>
+            <a:endParaRPr lang="zh-CN" altLang="en-US" sz="1600" dirty="0">
+              <a:latin typeface="微软雅黑" panose="020B0503020204020204" charset="-122"/>
+              <a:ea typeface="微软雅黑" panose="020B0503020204020204" charset="-122"/>
+            </a:endParaRPr>
+          </a:p>
+          <a:p>
+            <a:r>
+              <a:rPr lang="zh-CN" altLang="en-US" sz="1600" dirty="0">
+                <a:latin typeface="微软雅黑" panose="020B0503020204020204" charset="-122"/>
+                <a:ea typeface="微软雅黑" panose="020B0503020204020204" charset="-122"/>
+              </a:rPr>
+              <a:t>右侧上方使用注意力机制来挑选出相似度最高的</a:t>
+            </a:r>
+            <a:r>
+              <a:rPr lang="en-US" altLang="zh-CN" sz="1600" dirty="0">
+                <a:latin typeface="微软雅黑" panose="020B0503020204020204" charset="-122"/>
+                <a:ea typeface="微软雅黑" panose="020B0503020204020204" charset="-122"/>
+              </a:rPr>
+              <a:t>Q</a:t>
+            </a:r>
+            <a:r>
+              <a:rPr lang="zh-CN" altLang="en-US" sz="1600" dirty="0">
+                <a:latin typeface="微软雅黑" panose="020B0503020204020204" charset="-122"/>
+                <a:ea typeface="微软雅黑" panose="020B0503020204020204" charset="-122"/>
+              </a:rPr>
+              <a:t>，</a:t>
+            </a:r>
+            <a:r>
+              <a:rPr lang="en-US" altLang="zh-CN" sz="1600" dirty="0">
+                <a:latin typeface="微软雅黑" panose="020B0503020204020204" charset="-122"/>
+                <a:ea typeface="微软雅黑" panose="020B0503020204020204" charset="-122"/>
+              </a:rPr>
+              <a:t>K</a:t>
+            </a:r>
+            <a:r>
+              <a:rPr lang="zh-CN" altLang="en-US" sz="1600" dirty="0">
+                <a:latin typeface="微软雅黑" panose="020B0503020204020204" charset="-122"/>
+                <a:ea typeface="微软雅黑" panose="020B0503020204020204" charset="-122"/>
+              </a:rPr>
+              <a:t>，</a:t>
+            </a:r>
+            <a:r>
+              <a:rPr lang="en-US" altLang="zh-CN" sz="1600" dirty="0">
+                <a:latin typeface="微软雅黑" panose="020B0503020204020204" charset="-122"/>
+                <a:ea typeface="微软雅黑" panose="020B0503020204020204" charset="-122"/>
+              </a:rPr>
+              <a:t>V</a:t>
+            </a:r>
+            <a:endParaRPr lang="en-US" altLang="zh-CN" sz="1600" dirty="0">
+              <a:latin typeface="微软雅黑" panose="020B0503020204020204" charset="-122"/>
+              <a:ea typeface="微软雅黑" panose="020B0503020204020204" charset="-122"/>
+            </a:endParaRPr>
+          </a:p>
+        </p:txBody>
+      </p:sp>
+      <p:pic>
+        <p:nvPicPr>
+          <p:cNvPr id="14" name="图片 13"/>
+          <p:cNvPicPr>
+            <a:picLocks noChangeAspect="1"/>
+          </p:cNvPicPr>
+          <p:nvPr/>
+        </p:nvPicPr>
+        <p:blipFill>
+          <a:blip r:embed="rId7"/>
+          <a:stretch>
+            <a:fillRect/>
+          </a:stretch>
+        </p:blipFill>
+        <p:spPr>
+          <a:xfrm>
+            <a:off x="6035040" y="2900045"/>
+            <a:ext cx="4387850" cy="829310"/>
+          </a:xfrm>
+          <a:prstGeom prst="rect">
+            <a:avLst/>
+          </a:prstGeom>
+        </p:spPr>
+      </p:pic>
+      <p:sp>
+        <p:nvSpPr>
+          <p:cNvPr id="15" name="文本框 14"/>
+          <p:cNvSpPr txBox="1"/>
+          <p:nvPr>
+            <p:custDataLst>
+              <p:tags r:id="rId8"/>
+            </p:custDataLst>
+          </p:nvPr>
+        </p:nvSpPr>
+        <p:spPr>
+          <a:xfrm>
+            <a:off x="3698240" y="4367530"/>
+            <a:ext cx="1725930" cy="922020"/>
+          </a:xfrm>
+          <a:prstGeom prst="rect">
+            <a:avLst/>
+          </a:prstGeom>
+          <a:noFill/>
+        </p:spPr>
+        <p:txBody>
+          <a:bodyPr wrap="square" rtlCol="0">
+            <a:spAutoFit/>
+          </a:bodyPr>
+          <a:p>
+            <a:pPr marL="285750" indent="-285750">
+              <a:lnSpc>
+                <a:spcPct val="150000"/>
+              </a:lnSpc>
+              <a:buFont typeface="Wingdings" panose="05000000000000000000" charset="0"/>
+              <a:buChar char="p"/>
+            </a:pPr>
+            <a:r>
+              <a:rPr lang="zh-CN" altLang="en-US" b="1" dirty="0">
+                <a:latin typeface="微软雅黑" panose="020B0503020204020204" charset="-122"/>
+                <a:ea typeface="微软雅黑" panose="020B0503020204020204" charset="-122"/>
+              </a:rPr>
+              <a:t>前馈反应：</a:t>
+            </a:r>
+            <a:endParaRPr lang="zh-CN" altLang="en-US" b="1" dirty="0">
+              <a:latin typeface="微软雅黑" panose="020B0503020204020204" charset="-122"/>
+              <a:ea typeface="微软雅黑" panose="020B0503020204020204" charset="-122"/>
+            </a:endParaRPr>
+          </a:p>
+          <a:p>
+            <a:pPr marL="285750" indent="-285750">
+              <a:lnSpc>
+                <a:spcPct val="150000"/>
+              </a:lnSpc>
+              <a:buFont typeface="Wingdings" panose="05000000000000000000" charset="0"/>
+              <a:buChar char="p"/>
+            </a:pPr>
+            <a:endParaRPr lang="en-US" altLang="zh-CN" b="1" dirty="0">
+              <a:latin typeface="微软雅黑" panose="020B0503020204020204" charset="-122"/>
+              <a:ea typeface="微软雅黑" panose="020B0503020204020204" charset="-122"/>
+            </a:endParaRPr>
+          </a:p>
+        </p:txBody>
+      </p:sp>
+      <p:sp>
+        <p:nvSpPr>
+          <p:cNvPr id="16" name="文本框 15"/>
+          <p:cNvSpPr txBox="1"/>
+          <p:nvPr/>
+        </p:nvSpPr>
+        <p:spPr>
+          <a:xfrm>
+            <a:off x="3921125" y="4781550"/>
+            <a:ext cx="8270875" cy="337185"/>
+          </a:xfrm>
+          <a:prstGeom prst="rect">
+            <a:avLst/>
+          </a:prstGeom>
+        </p:spPr>
+        <p:txBody>
+          <a:bodyPr wrap="square">
+            <a:spAutoFit/>
+          </a:bodyPr>
+          <a:p>
+            <a:r>
+              <a:rPr lang="zh-CN" altLang="en-US" sz="1600" dirty="0">
+                <a:latin typeface="微软雅黑" panose="020B0503020204020204" charset="-122"/>
+                <a:ea typeface="微软雅黑" panose="020B0503020204020204" charset="-122"/>
+              </a:rPr>
+              <a:t>对每一个位置输出的内容经过两个线性层实现语义转换</a:t>
+            </a:r>
+            <a:endParaRPr lang="zh-CN" altLang="en-US" sz="1600" dirty="0">
+              <a:latin typeface="微软雅黑" panose="020B0503020204020204" charset="-122"/>
+              <a:ea typeface="微软雅黑" panose="020B0503020204020204" charset="-122"/>
+            </a:endParaRPr>
+          </a:p>
+        </p:txBody>
+      </p:sp>
+      <p:sp>
+        <p:nvSpPr>
+          <p:cNvPr id="17" name="文本框 16"/>
+          <p:cNvSpPr txBox="1"/>
+          <p:nvPr>
+            <p:custDataLst>
+              <p:tags r:id="rId9"/>
+            </p:custDataLst>
+          </p:nvPr>
+        </p:nvSpPr>
+        <p:spPr>
+          <a:xfrm>
+            <a:off x="3698240" y="5438775"/>
+            <a:ext cx="1725930" cy="922020"/>
+          </a:xfrm>
+          <a:prstGeom prst="rect">
+            <a:avLst/>
+          </a:prstGeom>
+          <a:noFill/>
+        </p:spPr>
+        <p:txBody>
+          <a:bodyPr wrap="square" rtlCol="0">
+            <a:spAutoFit/>
+          </a:bodyPr>
+          <a:p>
+            <a:pPr marL="285750" indent="-285750">
+              <a:lnSpc>
+                <a:spcPct val="150000"/>
+              </a:lnSpc>
+              <a:buFont typeface="Wingdings" panose="05000000000000000000" charset="0"/>
+              <a:buChar char="p"/>
+            </a:pPr>
+            <a:r>
+              <a:rPr lang="zh-CN" altLang="en-US" b="1" dirty="0">
+                <a:latin typeface="微软雅黑" panose="020B0503020204020204" charset="-122"/>
+                <a:ea typeface="微软雅黑" panose="020B0503020204020204" charset="-122"/>
+              </a:rPr>
+              <a:t>位置编码：</a:t>
+            </a:r>
+            <a:endParaRPr lang="zh-CN" altLang="en-US" b="1" dirty="0">
+              <a:latin typeface="微软雅黑" panose="020B0503020204020204" charset="-122"/>
+              <a:ea typeface="微软雅黑" panose="020B0503020204020204" charset="-122"/>
+            </a:endParaRPr>
+          </a:p>
+          <a:p>
+            <a:pPr marL="285750" indent="-285750">
+              <a:lnSpc>
+                <a:spcPct val="150000"/>
+              </a:lnSpc>
+              <a:buFont typeface="Wingdings" panose="05000000000000000000" charset="0"/>
+              <a:buChar char="p"/>
+            </a:pPr>
+            <a:endParaRPr lang="en-US" altLang="zh-CN" b="1" dirty="0">
+              <a:latin typeface="微软雅黑" panose="020B0503020204020204" charset="-122"/>
+              <a:ea typeface="微软雅黑" panose="020B0503020204020204" charset="-122"/>
+            </a:endParaRPr>
+          </a:p>
+        </p:txBody>
+      </p:sp>
+      <p:sp>
+        <p:nvSpPr>
+          <p:cNvPr id="18" name="文本框 17"/>
+          <p:cNvSpPr txBox="1"/>
+          <p:nvPr/>
+        </p:nvSpPr>
+        <p:spPr>
+          <a:xfrm>
+            <a:off x="3921125" y="5912485"/>
+            <a:ext cx="8270875" cy="337185"/>
+          </a:xfrm>
+          <a:prstGeom prst="rect">
+            <a:avLst/>
+          </a:prstGeom>
+        </p:spPr>
+        <p:txBody>
+          <a:bodyPr wrap="square">
+            <a:spAutoFit/>
+          </a:bodyPr>
+          <a:p>
+            <a:r>
+              <a:rPr lang="zh-CN" altLang="en-US" sz="1600" dirty="0">
+                <a:latin typeface="微软雅黑" panose="020B0503020204020204" charset="-122"/>
+                <a:ea typeface="微软雅黑" panose="020B0503020204020204" charset="-122"/>
+              </a:rPr>
+              <a:t>实现输入的时候自带时序信息</a:t>
+            </a:r>
+            <a:endParaRPr lang="zh-CN" altLang="en-US" sz="1600" dirty="0">
+              <a:latin typeface="微软雅黑" panose="020B0503020204020204" charset="-122"/>
+              <a:ea typeface="微软雅黑" panose="020B0503020204020204" charset="-122"/>
+            </a:endParaRPr>
+          </a:p>
+        </p:txBody>
+      </p:sp>
+      <p:pic>
+        <p:nvPicPr>
+          <p:cNvPr id="19" name="图片 18"/>
+          <p:cNvPicPr>
+            <a:picLocks noChangeAspect="1"/>
+          </p:cNvPicPr>
+          <p:nvPr/>
+        </p:nvPicPr>
+        <p:blipFill>
+          <a:blip r:embed="rId10"/>
+          <a:stretch>
+            <a:fillRect/>
+          </a:stretch>
+        </p:blipFill>
+        <p:spPr>
+          <a:xfrm>
+            <a:off x="6299835" y="5092700"/>
+            <a:ext cx="3696970" cy="615950"/>
+          </a:xfrm>
+          <a:prstGeom prst="rect">
+            <a:avLst/>
+          </a:prstGeom>
+        </p:spPr>
+      </p:pic>
+      <p:pic>
+        <p:nvPicPr>
+          <p:cNvPr id="20" name="图片 19"/>
+          <p:cNvPicPr>
+            <a:picLocks noChangeAspect="1"/>
+          </p:cNvPicPr>
+          <p:nvPr/>
+        </p:nvPicPr>
+        <p:blipFill>
+          <a:blip r:embed="rId11"/>
+          <a:stretch>
+            <a:fillRect/>
+          </a:stretch>
+        </p:blipFill>
+        <p:spPr>
+          <a:xfrm>
+            <a:off x="6827520" y="5648325"/>
+            <a:ext cx="4092575" cy="1015365"/>
+          </a:xfrm>
+          <a:prstGeom prst="rect">
+            <a:avLst/>
+          </a:prstGeom>
+        </p:spPr>
+      </p:pic>
+    </p:spTree>
+  </p:cSld>
+  <p:clrMapOvr>
+    <a:masterClrMapping/>
+  </p:clrMapOvr>
+</p:sld>
+</file>
+
+<file path=ppt/slides/slide14.xml><?xml version="1.0" encoding="utf-8"?>
+<p:sld xmlns:a="http://schemas.openxmlformats.org/drawingml/2006/main" xmlns:r="http://schemas.openxmlformats.org/officeDocument/2006/relationships" xmlns:p="http://schemas.openxmlformats.org/presentationml/2006/main">
+  <p:cSld>
+    <p:spTree>
+      <p:nvGrpSpPr>
+        <p:cNvPr id="1" name=""/>
+        <p:cNvGrpSpPr/>
+        <p:nvPr/>
+      </p:nvGrpSpPr>
+      <p:grpSpPr>
+        <a:xfrm>
+          <a:off x="0" y="0"/>
+          <a:ext cx="0" cy="0"/>
+          <a:chOff x="0" y="0"/>
+          <a:chExt cx="0" cy="0"/>
+        </a:xfrm>
+      </p:grpSpPr>
+      <p:sp>
+        <p:nvSpPr>
+          <p:cNvPr id="13" name="文本框 12"/>
+          <p:cNvSpPr txBox="1"/>
+          <p:nvPr/>
+        </p:nvSpPr>
+        <p:spPr>
+          <a:xfrm>
+            <a:off x="106466" y="601786"/>
+            <a:ext cx="1033780" cy="398780"/>
+          </a:xfrm>
+          <a:prstGeom prst="rect">
+            <a:avLst/>
+          </a:prstGeom>
+          <a:noFill/>
+        </p:spPr>
+        <p:txBody>
+          <a:bodyPr wrap="none" rtlCol="0">
+            <a:spAutoFit/>
+          </a:bodyPr>
+          <a:lstStyle/>
+          <a:p>
+            <a:pPr marL="342900" indent="-342900">
+              <a:buFont typeface="Wingdings" panose="05000000000000000000" charset="0"/>
+              <a:buChar char="n"/>
+            </a:pPr>
+            <a:r>
+              <a:rPr lang="zh-CN" altLang="en-US" sz="2000" b="1" dirty="0">
+                <a:latin typeface="微软雅黑" panose="020B0503020204020204" charset="-122"/>
+                <a:ea typeface="微软雅黑" panose="020B0503020204020204" charset="-122"/>
+              </a:rPr>
+              <a:t>概述</a:t>
+            </a:r>
+            <a:endParaRPr lang="zh-CN" altLang="en-US" sz="2000" b="1" dirty="0"/>
+          </a:p>
+        </p:txBody>
+      </p:sp>
+      <p:sp>
+        <p:nvSpPr>
+          <p:cNvPr id="19" name="文本框 18"/>
+          <p:cNvSpPr txBox="1"/>
+          <p:nvPr/>
+        </p:nvSpPr>
+        <p:spPr>
+          <a:xfrm>
+            <a:off x="455295" y="855980"/>
+            <a:ext cx="1054100" cy="506730"/>
+          </a:xfrm>
+          <a:prstGeom prst="rect">
+            <a:avLst/>
+          </a:prstGeom>
+          <a:noFill/>
+        </p:spPr>
+        <p:txBody>
+          <a:bodyPr wrap="square" rtlCol="0">
+            <a:spAutoFit/>
+          </a:bodyPr>
+          <a:lstStyle/>
+          <a:p>
+            <a:pPr marL="285750" indent="-285750">
+              <a:lnSpc>
+                <a:spcPct val="150000"/>
+              </a:lnSpc>
+              <a:buFont typeface="Wingdings" panose="05000000000000000000" charset="0"/>
+              <a:buChar char="p"/>
+            </a:pPr>
+            <a:r>
+              <a:rPr lang="zh-CN" altLang="en-US" b="1" dirty="0">
+                <a:latin typeface="微软雅黑" panose="020B0503020204020204" charset="-122"/>
+                <a:ea typeface="微软雅黑" panose="020B0503020204020204" charset="-122"/>
+              </a:rPr>
+              <a:t>任务：</a:t>
+            </a:r>
+            <a:endParaRPr lang="en-US" altLang="zh-CN" b="1" dirty="0">
+              <a:latin typeface="微软雅黑" panose="020B0503020204020204" charset="-122"/>
+              <a:ea typeface="微软雅黑" panose="020B0503020204020204" charset="-122"/>
+            </a:endParaRPr>
+          </a:p>
+        </p:txBody>
+      </p:sp>
+      <p:sp>
+        <p:nvSpPr>
+          <p:cNvPr id="27" name="文本框 26"/>
+          <p:cNvSpPr txBox="1"/>
+          <p:nvPr/>
+        </p:nvSpPr>
+        <p:spPr>
+          <a:xfrm>
+            <a:off x="455295" y="4822825"/>
+            <a:ext cx="1575435" cy="454660"/>
+          </a:xfrm>
+          <a:prstGeom prst="rect">
+            <a:avLst/>
+          </a:prstGeom>
+          <a:noFill/>
+        </p:spPr>
+        <p:txBody>
+          <a:bodyPr wrap="square" rtlCol="0">
+            <a:noAutofit/>
+          </a:bodyPr>
+          <a:lstStyle/>
+          <a:p>
+            <a:pPr marL="285750" indent="-285750">
+              <a:lnSpc>
+                <a:spcPct val="150000"/>
+              </a:lnSpc>
+              <a:buFont typeface="Wingdings" panose="05000000000000000000" charset="0"/>
+              <a:buChar char="p"/>
+            </a:pPr>
+            <a:r>
+              <a:rPr lang="zh-CN" altLang="en-US" b="1" dirty="0">
+                <a:latin typeface="微软雅黑" panose="020B0503020204020204" charset="-122"/>
+                <a:ea typeface="微软雅黑" panose="020B0503020204020204" charset="-122"/>
+              </a:rPr>
+              <a:t>贡献：</a:t>
+            </a:r>
+            <a:endParaRPr lang="en-US" altLang="zh-CN" b="1" dirty="0">
+              <a:latin typeface="微软雅黑" panose="020B0503020204020204" charset="-122"/>
+              <a:ea typeface="微软雅黑" panose="020B0503020204020204" charset="-122"/>
+            </a:endParaRPr>
+          </a:p>
+        </p:txBody>
+      </p:sp>
+      <p:sp>
+        <p:nvSpPr>
+          <p:cNvPr id="7" name="文本框 6"/>
+          <p:cNvSpPr txBox="1"/>
+          <p:nvPr/>
+        </p:nvSpPr>
+        <p:spPr>
+          <a:xfrm>
+            <a:off x="724535" y="1323340"/>
+            <a:ext cx="6473825" cy="410845"/>
+          </a:xfrm>
+          <a:prstGeom prst="rect">
+            <a:avLst/>
+          </a:prstGeom>
+          <a:noFill/>
+        </p:spPr>
+        <p:txBody>
+          <a:bodyPr wrap="square">
+            <a:noAutofit/>
+          </a:bodyPr>
+          <a:lstStyle/>
+          <a:p>
+            <a:pPr algn="l" fontAlgn="auto">
+              <a:lnSpc>
+                <a:spcPts val="2200"/>
+              </a:lnSpc>
+              <a:buClrTx/>
+              <a:buSzTx/>
+              <a:buNone/>
+            </a:pPr>
+            <a:r>
+              <a:rPr lang="zh-CN" altLang="en-US" sz="1600" dirty="0">
+                <a:latin typeface="微软雅黑" panose="020B0503020204020204" charset="-122"/>
+                <a:ea typeface="微软雅黑" panose="020B0503020204020204" charset="-122"/>
+              </a:rPr>
+              <a:t>使用</a:t>
+            </a:r>
+            <a:r>
+              <a:rPr lang="en-US" altLang="zh-CN" sz="1600" dirty="0">
+                <a:latin typeface="微软雅黑" panose="020B0503020204020204" charset="-122"/>
+                <a:ea typeface="微软雅黑" panose="020B0503020204020204" charset="-122"/>
+              </a:rPr>
+              <a:t>transformer</a:t>
+            </a:r>
+            <a:r>
+              <a:rPr lang="zh-CN" altLang="en-US" sz="1600" dirty="0">
+                <a:latin typeface="微软雅黑" panose="020B0503020204020204" charset="-122"/>
+                <a:ea typeface="微软雅黑" panose="020B0503020204020204" charset="-122"/>
+              </a:rPr>
+              <a:t>实现</a:t>
+            </a:r>
+            <a:r>
+              <a:rPr lang="en-US" altLang="zh-CN" sz="1600" dirty="0">
+                <a:latin typeface="微软雅黑" panose="020B0503020204020204" charset="-122"/>
+                <a:ea typeface="微软雅黑" panose="020B0503020204020204" charset="-122"/>
+              </a:rPr>
+              <a:t>objection detection</a:t>
+            </a:r>
+            <a:endParaRPr lang="en-US" altLang="zh-CN" sz="1600" dirty="0">
+              <a:latin typeface="微软雅黑" panose="020B0503020204020204" charset="-122"/>
+              <a:ea typeface="微软雅黑" panose="020B0503020204020204" charset="-122"/>
+            </a:endParaRPr>
+          </a:p>
+        </p:txBody>
+      </p:sp>
+      <p:sp>
+        <p:nvSpPr>
+          <p:cNvPr id="9" name="文本框 8"/>
+          <p:cNvSpPr txBox="1"/>
+          <p:nvPr/>
+        </p:nvSpPr>
+        <p:spPr>
+          <a:xfrm>
+            <a:off x="724535" y="5277485"/>
+            <a:ext cx="10603865" cy="1219835"/>
+          </a:xfrm>
+          <a:prstGeom prst="rect">
+            <a:avLst/>
+          </a:prstGeom>
+          <a:noFill/>
+        </p:spPr>
+        <p:txBody>
+          <a:bodyPr wrap="square">
+            <a:spAutoFit/>
+          </a:bodyPr>
+          <a:lstStyle/>
+          <a:p>
+            <a:pPr indent="0" algn="l" fontAlgn="auto">
+              <a:lnSpc>
+                <a:spcPts val="2200"/>
+              </a:lnSpc>
+              <a:buClrTx/>
+              <a:buSzTx/>
+              <a:buFontTx/>
+              <a:buNone/>
+            </a:pPr>
+            <a:r>
+              <a:rPr lang="en-US" sz="1600" dirty="0">
+                <a:latin typeface="微软雅黑" panose="020B0503020204020204" charset="-122"/>
+                <a:ea typeface="微软雅黑" panose="020B0503020204020204" charset="-122"/>
+              </a:rPr>
+              <a:t>1. </a:t>
+            </a:r>
+            <a:r>
+              <a:rPr sz="1600" dirty="0">
+                <a:latin typeface="微软雅黑" panose="020B0503020204020204" charset="-122"/>
+                <a:ea typeface="微软雅黑" panose="020B0503020204020204" charset="-122"/>
+              </a:rPr>
+              <a:t>提出了完全基于注意力机制的Transformer模型，摒弃了传统的循环和卷积神经网络，实现了更高的并行化能力</a:t>
+            </a:r>
+            <a:endParaRPr sz="1600" dirty="0">
+              <a:latin typeface="微软雅黑" panose="020B0503020204020204" charset="-122"/>
+              <a:ea typeface="微软雅黑" panose="020B0503020204020204" charset="-122"/>
+            </a:endParaRPr>
+          </a:p>
+          <a:p>
+            <a:pPr indent="0" algn="l" fontAlgn="auto">
+              <a:lnSpc>
+                <a:spcPts val="2200"/>
+              </a:lnSpc>
+              <a:buClrTx/>
+              <a:buSzTx/>
+              <a:buFontTx/>
+              <a:buNone/>
+            </a:pPr>
+            <a:r>
+              <a:rPr lang="en-US" sz="1600" dirty="0">
+                <a:latin typeface="微软雅黑" panose="020B0503020204020204" charset="-122"/>
+                <a:ea typeface="微软雅黑" panose="020B0503020204020204" charset="-122"/>
+              </a:rPr>
+              <a:t>2. </a:t>
+            </a:r>
+            <a:r>
+              <a:rPr sz="1600" dirty="0">
+                <a:latin typeface="微软雅黑" panose="020B0503020204020204" charset="-122"/>
+                <a:ea typeface="微软雅黑" panose="020B0503020204020204" charset="-122"/>
+              </a:rPr>
+              <a:t>引入了多头注意力机制，允许模型从不同的角度并行地处理序列，提高了模型对信息的捕捉能力</a:t>
+            </a:r>
+            <a:endParaRPr sz="1600" dirty="0">
+              <a:latin typeface="微软雅黑" panose="020B0503020204020204" charset="-122"/>
+              <a:ea typeface="微软雅黑" panose="020B0503020204020204" charset="-122"/>
+            </a:endParaRPr>
+          </a:p>
+          <a:p>
+            <a:pPr indent="0" algn="l" fontAlgn="auto">
+              <a:lnSpc>
+                <a:spcPts val="2200"/>
+              </a:lnSpc>
+              <a:buClrTx/>
+              <a:buSzTx/>
+              <a:buFontTx/>
+              <a:buNone/>
+            </a:pPr>
+            <a:r>
+              <a:rPr lang="en-US" sz="1600" dirty="0">
+                <a:latin typeface="微软雅黑" panose="020B0503020204020204" charset="-122"/>
+                <a:ea typeface="微软雅黑" panose="020B0503020204020204" charset="-122"/>
+              </a:rPr>
+              <a:t>3. </a:t>
+            </a:r>
+            <a:r>
+              <a:rPr sz="1600" dirty="0">
+                <a:latin typeface="微软雅黑" panose="020B0503020204020204" charset="-122"/>
+                <a:ea typeface="微软雅黑" panose="020B0503020204020204" charset="-122"/>
+              </a:rPr>
+              <a:t>为了弥补模型中缺少循环和卷积带来的位置信息，设计了基于正弦和余弦函数的位置编码，使得模型能够处理序列中的顺序信息</a:t>
+            </a:r>
+            <a:endParaRPr sz="1600" dirty="0">
+              <a:latin typeface="微软雅黑" panose="020B0503020204020204" charset="-122"/>
+              <a:ea typeface="微软雅黑" panose="020B0503020204020204" charset="-122"/>
+            </a:endParaRPr>
+          </a:p>
+        </p:txBody>
+      </p:sp>
+      <p:sp>
+        <p:nvSpPr>
+          <p:cNvPr id="3" name="矩形 2"/>
+          <p:cNvSpPr/>
+          <p:nvPr>
+            <p:custDataLst>
+              <p:tags r:id="rId1"/>
+            </p:custDataLst>
+          </p:nvPr>
+        </p:nvSpPr>
+        <p:spPr>
+          <a:xfrm>
+            <a:off x="-14605" y="0"/>
+            <a:ext cx="12198350" cy="540000"/>
+          </a:xfrm>
+          <a:prstGeom prst="rect">
+            <a:avLst/>
+          </a:prstGeom>
+          <a:solidFill>
+            <a:srgbClr val="A099CB"/>
+          </a:solidFill>
+          <a:ln>
+            <a:noFill/>
+          </a:ln>
+        </p:spPr>
+        <p:style>
+          <a:lnRef idx="2">
+            <a:schemeClr val="accent1">
+              <a:shade val="50000"/>
+            </a:schemeClr>
+          </a:lnRef>
+          <a:fillRef idx="1">
+            <a:schemeClr val="accent1"/>
+          </a:fillRef>
+          <a:effectRef idx="0">
+            <a:schemeClr val="accent1"/>
+          </a:effectRef>
+          <a:fontRef idx="minor">
+            <a:schemeClr val="lt1"/>
+          </a:fontRef>
+        </p:style>
+        <p:txBody>
+          <a:bodyPr rtlCol="0" anchor="ctr"/>
+          <a:p>
+            <a:pPr marL="0" marR="0" lvl="0" algn="ctr" defTabSz="914400" rtl="0" eaLnBrk="1" fontAlgn="auto" latinLnBrk="0" hangingPunct="1">
+              <a:lnSpc>
+                <a:spcPct val="100000"/>
+              </a:lnSpc>
+              <a:spcBef>
+                <a:spcPts val="0"/>
+              </a:spcBef>
+              <a:buClrTx/>
+              <a:buSzTx/>
+              <a:buFontTx/>
+              <a:buNone/>
+            </a:pPr>
+            <a:r>
+              <a:rPr lang="en-US" altLang="zh-CN" sz="1800" dirty="0">
+                <a:effectLst/>
+                <a:latin typeface="微软雅黑" panose="020B0503020204020204" charset="-122"/>
+                <a:ea typeface="微软雅黑" panose="020B0503020204020204" charset="-122"/>
+              </a:rPr>
+              <a:t>2.</a:t>
+            </a:r>
+            <a:r>
+              <a:rPr lang="en-US" altLang="zh-CN" dirty="0">
+                <a:effectLst/>
+                <a:latin typeface="微软雅黑" panose="020B0503020204020204" charset="-122"/>
+                <a:ea typeface="微软雅黑" panose="020B0503020204020204" charset="-122"/>
+              </a:rPr>
+              <a:t>End-to-End Object Detection with Transformers</a:t>
+            </a:r>
+            <a:endParaRPr lang="en-US" altLang="zh-CN" dirty="0">
+              <a:effectLst/>
+              <a:latin typeface="微软雅黑" panose="020B0503020204020204" charset="-122"/>
+              <a:ea typeface="微软雅黑" panose="020B0503020204020204" charset="-122"/>
+            </a:endParaRPr>
+          </a:p>
+        </p:txBody>
+      </p:sp>
+      <p:sp>
+        <p:nvSpPr>
+          <p:cNvPr id="11" name="文本框 10"/>
+          <p:cNvSpPr txBox="1"/>
+          <p:nvPr>
+            <p:custDataLst>
+              <p:tags r:id="rId2"/>
+            </p:custDataLst>
+          </p:nvPr>
+        </p:nvSpPr>
+        <p:spPr>
+          <a:xfrm>
+            <a:off x="455295" y="1610995"/>
+            <a:ext cx="1725930" cy="506730"/>
+          </a:xfrm>
+          <a:prstGeom prst="rect">
+            <a:avLst/>
+          </a:prstGeom>
+          <a:noFill/>
+        </p:spPr>
+        <p:txBody>
+          <a:bodyPr wrap="square" rtlCol="0">
+            <a:spAutoFit/>
+          </a:bodyPr>
+          <a:p>
+            <a:pPr marL="285750" indent="-285750">
+              <a:lnSpc>
+                <a:spcPct val="150000"/>
+              </a:lnSpc>
+              <a:buFont typeface="Wingdings" panose="05000000000000000000" charset="0"/>
+              <a:buChar char="p"/>
+            </a:pPr>
+            <a:r>
+              <a:rPr lang="zh-CN" altLang="en-US" b="1" dirty="0">
+                <a:latin typeface="微软雅黑" panose="020B0503020204020204" charset="-122"/>
+                <a:ea typeface="微软雅黑" panose="020B0503020204020204" charset="-122"/>
+              </a:rPr>
+              <a:t>动机：</a:t>
+            </a:r>
+            <a:endParaRPr lang="en-US" altLang="zh-CN" b="1" dirty="0">
+              <a:latin typeface="微软雅黑" panose="020B0503020204020204" charset="-122"/>
+              <a:ea typeface="微软雅黑" panose="020B0503020204020204" charset="-122"/>
+            </a:endParaRPr>
+          </a:p>
+        </p:txBody>
+      </p:sp>
+      <p:sp>
+        <p:nvSpPr>
+          <p:cNvPr id="12" name="文本框 11"/>
+          <p:cNvSpPr txBox="1"/>
+          <p:nvPr>
+            <p:custDataLst>
+              <p:tags r:id="rId3"/>
+            </p:custDataLst>
+          </p:nvPr>
+        </p:nvSpPr>
+        <p:spPr>
+          <a:xfrm>
+            <a:off x="724535" y="2120900"/>
+            <a:ext cx="5572760" cy="894715"/>
+          </a:xfrm>
+          <a:prstGeom prst="rect">
+            <a:avLst/>
+          </a:prstGeom>
+          <a:noFill/>
+        </p:spPr>
+        <p:txBody>
+          <a:bodyPr wrap="square">
+            <a:noAutofit/>
+          </a:bodyPr>
+          <a:p>
+            <a:pPr algn="l" fontAlgn="auto">
+              <a:lnSpc>
+                <a:spcPts val="2200"/>
+              </a:lnSpc>
+              <a:buClrTx/>
+              <a:buSzTx/>
+              <a:buFontTx/>
+              <a:buNone/>
+            </a:pPr>
+            <a:r>
+              <a:rPr lang="zh-CN" altLang="en-US" sz="1600" dirty="0">
+                <a:latin typeface="微软雅黑" panose="020B0503020204020204" charset="-122"/>
+                <a:ea typeface="微软雅黑" panose="020B0503020204020204" charset="-122"/>
+              </a:rPr>
+              <a:t>1. </a:t>
+            </a:r>
+            <a:r>
+              <a:rPr lang="en-US" altLang="zh-CN" sz="1600" dirty="0">
+                <a:latin typeface="微软雅黑" panose="020B0503020204020204" charset="-122"/>
+                <a:ea typeface="微软雅黑" panose="020B0503020204020204" charset="-122"/>
+              </a:rPr>
+              <a:t> </a:t>
+            </a:r>
+            <a:r>
+              <a:rPr lang="zh-CN" altLang="en-US" sz="1600" dirty="0">
+                <a:latin typeface="微软雅黑" panose="020B0503020204020204" charset="-122"/>
+                <a:ea typeface="微软雅黑" panose="020B0503020204020204" charset="-122"/>
+              </a:rPr>
+              <a:t>减少原有的顺序计算，利用并行性减少训练时间</a:t>
+            </a:r>
+            <a:endParaRPr lang="zh-CN" altLang="en-US" sz="1600" dirty="0">
+              <a:latin typeface="微软雅黑" panose="020B0503020204020204" charset="-122"/>
+              <a:ea typeface="微软雅黑" panose="020B0503020204020204" charset="-122"/>
+            </a:endParaRPr>
+          </a:p>
+          <a:p>
+            <a:pPr algn="l" fontAlgn="auto">
+              <a:lnSpc>
+                <a:spcPts val="2200"/>
+              </a:lnSpc>
+              <a:buClrTx/>
+              <a:buSzTx/>
+              <a:buFontTx/>
+              <a:buNone/>
+            </a:pPr>
+            <a:r>
+              <a:rPr lang="en-US" altLang="zh-CN" sz="1600" dirty="0">
+                <a:latin typeface="微软雅黑" panose="020B0503020204020204" charset="-122"/>
+                <a:ea typeface="微软雅黑" panose="020B0503020204020204" charset="-122"/>
+              </a:rPr>
+              <a:t>2.  有效地建模长距离依赖</a:t>
+            </a:r>
+            <a:r>
+              <a:rPr lang="zh-CN" altLang="en-US" sz="1600" dirty="0">
+                <a:latin typeface="微软雅黑" panose="020B0503020204020204" charset="-122"/>
+                <a:ea typeface="微软雅黑" panose="020B0503020204020204" charset="-122"/>
+              </a:rPr>
+              <a:t>，对依赖关系进行建模，而不考虑它们在输入或输出序列中的距离</a:t>
+            </a:r>
+            <a:endParaRPr lang="zh-CN" altLang="en-US" sz="1600" dirty="0">
+              <a:latin typeface="微软雅黑" panose="020B0503020204020204" charset="-122"/>
+              <a:ea typeface="微软雅黑" panose="020B0503020204020204" charset="-122"/>
+            </a:endParaRPr>
+          </a:p>
+        </p:txBody>
+      </p:sp>
+      <p:sp>
+        <p:nvSpPr>
+          <p:cNvPr id="4" name="文本框 3"/>
+          <p:cNvSpPr txBox="1"/>
+          <p:nvPr>
+            <p:custDataLst>
+              <p:tags r:id="rId4"/>
+            </p:custDataLst>
+          </p:nvPr>
+        </p:nvSpPr>
+        <p:spPr>
+          <a:xfrm>
+            <a:off x="455295" y="2924175"/>
+            <a:ext cx="1725930" cy="506730"/>
+          </a:xfrm>
+          <a:prstGeom prst="rect">
+            <a:avLst/>
+          </a:prstGeom>
+          <a:noFill/>
+        </p:spPr>
+        <p:txBody>
+          <a:bodyPr wrap="square" rtlCol="0">
+            <a:spAutoFit/>
+          </a:bodyPr>
+          <a:p>
+            <a:pPr marL="285750" indent="-285750">
+              <a:lnSpc>
+                <a:spcPct val="150000"/>
+              </a:lnSpc>
+              <a:buFont typeface="Wingdings" panose="05000000000000000000" charset="0"/>
+              <a:buChar char="p"/>
+            </a:pPr>
+            <a:r>
+              <a:rPr lang="zh-CN" altLang="en-US" b="1" dirty="0">
+                <a:latin typeface="微软雅黑" panose="020B0503020204020204" charset="-122"/>
+                <a:ea typeface="微软雅黑" panose="020B0503020204020204" charset="-122"/>
+              </a:rPr>
+              <a:t>整体</a:t>
+            </a:r>
+            <a:r>
+              <a:rPr lang="zh-CN" altLang="en-US" b="1" dirty="0">
+                <a:latin typeface="微软雅黑" panose="020B0503020204020204" charset="-122"/>
+                <a:ea typeface="微软雅黑" panose="020B0503020204020204" charset="-122"/>
+              </a:rPr>
+              <a:t>思路：</a:t>
+            </a:r>
+            <a:endParaRPr lang="en-US" altLang="zh-CN" b="1" dirty="0">
+              <a:latin typeface="微软雅黑" panose="020B0503020204020204" charset="-122"/>
+              <a:ea typeface="微软雅黑" panose="020B0503020204020204" charset="-122"/>
+            </a:endParaRPr>
+          </a:p>
+        </p:txBody>
+      </p:sp>
+      <p:sp>
+        <p:nvSpPr>
+          <p:cNvPr id="6" name="文本框 5"/>
+          <p:cNvSpPr txBox="1"/>
+          <p:nvPr>
+            <p:custDataLst>
+              <p:tags r:id="rId5"/>
+            </p:custDataLst>
+          </p:nvPr>
+        </p:nvSpPr>
+        <p:spPr>
+          <a:xfrm>
+            <a:off x="724535" y="3429000"/>
+            <a:ext cx="6004560" cy="1187450"/>
+          </a:xfrm>
+          <a:prstGeom prst="rect">
+            <a:avLst/>
+          </a:prstGeom>
+          <a:noFill/>
+        </p:spPr>
+        <p:txBody>
+          <a:bodyPr wrap="square">
+            <a:noAutofit/>
+          </a:bodyPr>
+          <a:p>
+            <a:pPr algn="l" fontAlgn="auto">
+              <a:lnSpc>
+                <a:spcPts val="2200"/>
+              </a:lnSpc>
+              <a:buClrTx/>
+              <a:buSzTx/>
+              <a:buFontTx/>
+              <a:buNone/>
+            </a:pPr>
+            <a:r>
+              <a:rPr sz="1600" dirty="0">
+                <a:latin typeface="微软雅黑" panose="020B0503020204020204" charset="-122"/>
+                <a:ea typeface="微软雅黑" panose="020B0503020204020204" charset="-122"/>
+              </a:rPr>
+              <a:t>Transformer的整体思路是通过多层自注意力机制和全连接层来构建编码器和解码器。自注意力机制允许模型在处理序列时直接计算任意两个位置之间的依赖关系，而无需经过多个RNN步骤或堆叠多层CNN。此外，引入了多头注意力机制，以允许模型在不同表示子空间上并行地关注序列的不同部分。。</a:t>
+            </a:r>
+            <a:endParaRPr sz="1600" dirty="0">
+              <a:latin typeface="微软雅黑" panose="020B0503020204020204" charset="-122"/>
+              <a:ea typeface="微软雅黑" panose="020B0503020204020204" charset="-122"/>
+            </a:endParaRPr>
+          </a:p>
+        </p:txBody>
+      </p:sp>
+    </p:spTree>
+  </p:cSld>
+  <p:clrMapOvr>
+    <a:masterClrMapping/>
+  </p:clrMapOvr>
+</p:sld>
+</file>
+
+<file path=ppt/slides/slide15.xml><?xml version="1.0" encoding="utf-8"?>
 <p:sld xmlns:a="http://schemas.openxmlformats.org/drawingml/2006/main" xmlns:r="http://schemas.openxmlformats.org/officeDocument/2006/relationships" xmlns:p="http://schemas.openxmlformats.org/presentationml/2006/main">
   <p:cSld>
     <p:spTree>
@@ -10125,15 +11827,81 @@
 
 <file path=ppt/tags/tag27.xml><?xml version="1.0" encoding="utf-8"?>
 <p:tagLst xmlns:p="http://schemas.openxmlformats.org/presentationml/2006/main">
-  <p:tag name="KSO_WPP_MARK_KEY" val="c7925d13-95db-4618-ac98-c22196edd7f9"/>
-  <p:tag name="COMMONDATA" val="eyJoZGlkIjoiZTg3MzIzMDhlODgyZTlkYzQ0OWY3ZDI2YzlhMjBjMGIifQ=="/>
-  <p:tag name="commondata" val="eyJoZGlkIjoiNjRkZDE1MjIxMjM2NmMxYzY5Y2M3N2FjNDEyZThkY2QifQ=="/>
+  <p:tag name="KSO_WM_BEAUTIFY_FLAG" val=""/>
+</p:tagLst>
+</file>
+
+<file path=ppt/tags/tag28.xml><?xml version="1.0" encoding="utf-8"?>
+<p:tagLst xmlns:p="http://schemas.openxmlformats.org/presentationml/2006/main">
+  <p:tag name="KSO_WM_BEAUTIFY_FLAG" val=""/>
+</p:tagLst>
+</file>
+
+<file path=ppt/tags/tag29.xml><?xml version="1.0" encoding="utf-8"?>
+<p:tagLst xmlns:p="http://schemas.openxmlformats.org/presentationml/2006/main">
+  <p:tag name="KSO_WM_BEAUTIFY_FLAG" val=""/>
 </p:tagLst>
 </file>
 
 <file path=ppt/tags/tag3.xml><?xml version="1.0" encoding="utf-8"?>
 <p:tagLst xmlns:p="http://schemas.openxmlformats.org/presentationml/2006/main">
   <p:tag name="KSO_WM_DIAGRAM_VIRTUALLY_FRAME" val="{&quot;height&quot;:130.17354330708662,&quot;left&quot;:238.70267716535432,&quot;top&quot;:116.24960629921259,&quot;width&quot;:665.8}"/>
+</p:tagLst>
+</file>
+
+<file path=ppt/tags/tag30.xml><?xml version="1.0" encoding="utf-8"?>
+<p:tagLst xmlns:p="http://schemas.openxmlformats.org/presentationml/2006/main">
+  <p:tag name="KSO_WM_BEAUTIFY_FLAG" val=""/>
+</p:tagLst>
+</file>
+
+<file path=ppt/tags/tag31.xml><?xml version="1.0" encoding="utf-8"?>
+<p:tagLst xmlns:p="http://schemas.openxmlformats.org/presentationml/2006/main">
+  <p:tag name="KSO_WM_BEAUTIFY_FLAG" val=""/>
+</p:tagLst>
+</file>
+
+<file path=ppt/tags/tag32.xml><?xml version="1.0" encoding="utf-8"?>
+<p:tagLst xmlns:p="http://schemas.openxmlformats.org/presentationml/2006/main">
+  <p:tag name="KSO_WM_BEAUTIFY_FLAG" val=""/>
+</p:tagLst>
+</file>
+
+<file path=ppt/tags/tag33.xml><?xml version="1.0" encoding="utf-8"?>
+<p:tagLst xmlns:p="http://schemas.openxmlformats.org/presentationml/2006/main">
+  <p:tag name="KSO_WM_BEAUTIFY_FLAG" val=""/>
+</p:tagLst>
+</file>
+
+<file path=ppt/tags/tag34.xml><?xml version="1.0" encoding="utf-8"?>
+<p:tagLst xmlns:p="http://schemas.openxmlformats.org/presentationml/2006/main">
+  <p:tag name="KSO_WM_BEAUTIFY_FLAG" val=""/>
+</p:tagLst>
+</file>
+
+<file path=ppt/tags/tag35.xml><?xml version="1.0" encoding="utf-8"?>
+<p:tagLst xmlns:p="http://schemas.openxmlformats.org/presentationml/2006/main">
+  <p:tag name="KSO_WM_BEAUTIFY_FLAG" val=""/>
+</p:tagLst>
+</file>
+
+<file path=ppt/tags/tag36.xml><?xml version="1.0" encoding="utf-8"?>
+<p:tagLst xmlns:p="http://schemas.openxmlformats.org/presentationml/2006/main">
+  <p:tag name="KSO_WM_BEAUTIFY_FLAG" val=""/>
+</p:tagLst>
+</file>
+
+<file path=ppt/tags/tag37.xml><?xml version="1.0" encoding="utf-8"?>
+<p:tagLst xmlns:p="http://schemas.openxmlformats.org/presentationml/2006/main">
+  <p:tag name="KSO_WM_BEAUTIFY_FLAG" val=""/>
+</p:tagLst>
+</file>
+
+<file path=ppt/tags/tag38.xml><?xml version="1.0" encoding="utf-8"?>
+<p:tagLst xmlns:p="http://schemas.openxmlformats.org/presentationml/2006/main">
+  <p:tag name="KSO_WPP_MARK_KEY" val="c7925d13-95db-4618-ac98-c22196edd7f9"/>
+  <p:tag name="COMMONDATA" val="eyJoZGlkIjoiZTg3MzIzMDhlODgyZTlkYzQ0OWY3ZDI2YzlhMjBjMGIifQ=="/>
+  <p:tag name="commondata" val="eyJoZGlkIjoiNjRkZDE1MjIxMjM2NmMxYzY5Y2M3N2FjNDEyZThkY2QifQ=="/>
 </p:tagLst>
 </file>
 
